--- a/03_Team_Data/B팀/2주차_1.1,1.2_B팀_이규리.pptx
+++ b/03_Team_Data/B팀/2주차_1.1,1.2_B팀_이규리.pptx
@@ -283,7 +283,7 @@
           <a:p>
             <a:fld id="{5C85567D-AB5D-4AC7-81EF-B47DBFAE57A2}" type="datetimeFigureOut">
               <a:rPr lang="ko-KR" altLang="en-US" smtClean="0"/>
-              <a:t>2022-01-10</a:t>
+              <a:t>2022-01-14</a:t>
             </a:fld>
             <a:endParaRPr lang="ko-KR" altLang="en-US"/>
           </a:p>
@@ -571,7 +571,7 @@
           <a:p>
             <a:fld id="{5C85567D-AB5D-4AC7-81EF-B47DBFAE57A2}" type="datetimeFigureOut">
               <a:rPr lang="ko-KR" altLang="en-US" smtClean="0"/>
-              <a:t>2022-01-10</a:t>
+              <a:t>2022-01-14</a:t>
             </a:fld>
             <a:endParaRPr lang="ko-KR" altLang="en-US"/>
           </a:p>
@@ -769,7 +769,7 @@
           <a:p>
             <a:fld id="{5C85567D-AB5D-4AC7-81EF-B47DBFAE57A2}" type="datetimeFigureOut">
               <a:rPr lang="ko-KR" altLang="en-US" smtClean="0"/>
-              <a:t>2022-01-10</a:t>
+              <a:t>2022-01-14</a:t>
             </a:fld>
             <a:endParaRPr lang="ko-KR" altLang="en-US"/>
           </a:p>
@@ -977,7 +977,7 @@
           <a:p>
             <a:fld id="{5C85567D-AB5D-4AC7-81EF-B47DBFAE57A2}" type="datetimeFigureOut">
               <a:rPr lang="ko-KR" altLang="en-US" smtClean="0"/>
-              <a:t>2022-01-10</a:t>
+              <a:t>2022-01-14</a:t>
             </a:fld>
             <a:endParaRPr lang="ko-KR" altLang="en-US"/>
           </a:p>
@@ -1175,7 +1175,7 @@
           <a:p>
             <a:fld id="{5C85567D-AB5D-4AC7-81EF-B47DBFAE57A2}" type="datetimeFigureOut">
               <a:rPr lang="ko-KR" altLang="en-US" smtClean="0"/>
-              <a:t>2022-01-10</a:t>
+              <a:t>2022-01-14</a:t>
             </a:fld>
             <a:endParaRPr lang="ko-KR" altLang="en-US"/>
           </a:p>
@@ -1450,7 +1450,7 @@
           <a:p>
             <a:fld id="{5C85567D-AB5D-4AC7-81EF-B47DBFAE57A2}" type="datetimeFigureOut">
               <a:rPr lang="ko-KR" altLang="en-US" smtClean="0"/>
-              <a:t>2022-01-10</a:t>
+              <a:t>2022-01-14</a:t>
             </a:fld>
             <a:endParaRPr lang="ko-KR" altLang="en-US"/>
           </a:p>
@@ -1715,7 +1715,7 @@
           <a:p>
             <a:fld id="{5C85567D-AB5D-4AC7-81EF-B47DBFAE57A2}" type="datetimeFigureOut">
               <a:rPr lang="ko-KR" altLang="en-US" smtClean="0"/>
-              <a:t>2022-01-10</a:t>
+              <a:t>2022-01-14</a:t>
             </a:fld>
             <a:endParaRPr lang="ko-KR" altLang="en-US"/>
           </a:p>
@@ -2127,7 +2127,7 @@
           <a:p>
             <a:fld id="{5C85567D-AB5D-4AC7-81EF-B47DBFAE57A2}" type="datetimeFigureOut">
               <a:rPr lang="ko-KR" altLang="en-US" smtClean="0"/>
-              <a:t>2022-01-10</a:t>
+              <a:t>2022-01-14</a:t>
             </a:fld>
             <a:endParaRPr lang="ko-KR" altLang="en-US"/>
           </a:p>
@@ -2268,7 +2268,7 @@
           <a:p>
             <a:fld id="{5C85567D-AB5D-4AC7-81EF-B47DBFAE57A2}" type="datetimeFigureOut">
               <a:rPr lang="ko-KR" altLang="en-US" smtClean="0"/>
-              <a:t>2022-01-10</a:t>
+              <a:t>2022-01-14</a:t>
             </a:fld>
             <a:endParaRPr lang="ko-KR" altLang="en-US"/>
           </a:p>
@@ -2470,7 +2470,7 @@
           <a:p>
             <a:fld id="{5C85567D-AB5D-4AC7-81EF-B47DBFAE57A2}" type="datetimeFigureOut">
               <a:rPr lang="ko-KR" altLang="en-US" smtClean="0"/>
-              <a:t>2022-01-10</a:t>
+              <a:t>2022-01-14</a:t>
             </a:fld>
             <a:endParaRPr lang="ko-KR" altLang="en-US"/>
           </a:p>
@@ -2711,7 +2711,7 @@
           <a:p>
             <a:fld id="{5C85567D-AB5D-4AC7-81EF-B47DBFAE57A2}" type="datetimeFigureOut">
               <a:rPr lang="ko-KR" altLang="en-US" smtClean="0"/>
-              <a:t>2022-01-10</a:t>
+              <a:t>2022-01-14</a:t>
             </a:fld>
             <a:endParaRPr lang="ko-KR" altLang="en-US"/>
           </a:p>
@@ -3022,7 +3022,7 @@
           <a:p>
             <a:fld id="{5C85567D-AB5D-4AC7-81EF-B47DBFAE57A2}" type="datetimeFigureOut">
               <a:rPr lang="ko-KR" altLang="en-US" smtClean="0"/>
-              <a:t>2022-01-10</a:t>
+              <a:t>2022-01-14</a:t>
             </a:fld>
             <a:endParaRPr lang="ko-KR" altLang="en-US"/>
           </a:p>
@@ -3263,7 +3263,7 @@
           <a:p>
             <a:fld id="{5C85567D-AB5D-4AC7-81EF-B47DBFAE57A2}" type="datetimeFigureOut">
               <a:rPr lang="ko-KR" altLang="en-US" smtClean="0"/>
-              <a:t>2022-01-10</a:t>
+              <a:t>2022-01-14</a:t>
             </a:fld>
             <a:endParaRPr lang="ko-KR" altLang="en-US"/>
           </a:p>
@@ -3942,7 +3942,10 @@
           <a:lstStyle/>
           <a:p>
             <a:pPr algn="ctr"/>
-            <a:endParaRPr lang="ko-KR" altLang="en-US"/>
+            <a:endParaRPr lang="ko-KR" altLang="en-US">
+              <a:latin typeface="Mapo한아름" panose="02000500000000000000" pitchFamily="2" charset="-127"/>
+              <a:ea typeface="Mapo한아름" panose="02000500000000000000" pitchFamily="2" charset="-127"/>
+            </a:endParaRPr>
           </a:p>
         </p:txBody>
       </p:sp>
@@ -3979,6 +3982,8 @@
                 <a:solidFill>
                   <a:schemeClr val="bg1"/>
                 </a:solidFill>
+                <a:latin typeface="Mapo한아름" panose="02000500000000000000" pitchFamily="2" charset="-127"/>
+                <a:ea typeface="Mapo한아름" panose="02000500000000000000" pitchFamily="2" charset="-127"/>
               </a:rPr>
               <a:t>딥러닝 이전</a:t>
             </a:r>
@@ -3987,6 +3992,8 @@
                 <a:solidFill>
                   <a:schemeClr val="bg1"/>
                 </a:solidFill>
+                <a:latin typeface="Mapo한아름" panose="02000500000000000000" pitchFamily="2" charset="-127"/>
+                <a:ea typeface="Mapo한아름" panose="02000500000000000000" pitchFamily="2" charset="-127"/>
               </a:rPr>
               <a:t>:</a:t>
             </a:r>
@@ -3997,6 +4004,8 @@
                 <a:solidFill>
                   <a:schemeClr val="bg1"/>
                 </a:solidFill>
+                <a:latin typeface="Mapo한아름" panose="02000500000000000000" pitchFamily="2" charset="-127"/>
+                <a:ea typeface="Mapo한아름" panose="02000500000000000000" pitchFamily="2" charset="-127"/>
               </a:rPr>
               <a:t>머신 러닝의 간략한 역사</a:t>
             </a:r>
@@ -4018,7 +4027,7 @@
         <p:spPr>
           <a:xfrm>
             <a:off x="904240" y="3121223"/>
-            <a:ext cx="486030" cy="307777"/>
+            <a:ext cx="510076" cy="307777"/>
           </a:xfrm>
           <a:prstGeom prst="rect">
             <a:avLst/>
@@ -4036,6 +4045,8 @@
                 <a:solidFill>
                   <a:schemeClr val="bg1"/>
                 </a:solidFill>
+                <a:latin typeface="Mapo한아름" panose="02000500000000000000" pitchFamily="2" charset="-127"/>
+                <a:ea typeface="Mapo한아름" panose="02000500000000000000" pitchFamily="2" charset="-127"/>
               </a:rPr>
               <a:t>1.2 </a:t>
             </a:r>
@@ -4043,6 +4054,8 @@
               <a:solidFill>
                 <a:schemeClr val="bg1"/>
               </a:solidFill>
+              <a:latin typeface="Mapo한아름" panose="02000500000000000000" pitchFamily="2" charset="-127"/>
+              <a:ea typeface="Mapo한아름" panose="02000500000000000000" pitchFamily="2" charset="-127"/>
             </a:endParaRPr>
           </a:p>
         </p:txBody>
@@ -4190,7 +4203,7 @@
         <p:spPr>
           <a:xfrm>
             <a:off x="875104" y="101916"/>
-            <a:ext cx="3313728" cy="646331"/>
+            <a:ext cx="3366627" cy="646331"/>
           </a:xfrm>
           <a:prstGeom prst="rect">
             <a:avLst/>
@@ -4208,6 +4221,8 @@
                 <a:solidFill>
                   <a:schemeClr val="bg1"/>
                 </a:solidFill>
+                <a:latin typeface="Mapo한아름" panose="02000500000000000000" pitchFamily="2" charset="-127"/>
+                <a:ea typeface="Mapo한아름" panose="02000500000000000000" pitchFamily="2" charset="-127"/>
               </a:rPr>
               <a:t>제목을 입력하세요</a:t>
             </a:r>
@@ -4229,7 +4244,7 @@
         <p:spPr>
           <a:xfrm>
             <a:off x="132080" y="117305"/>
-            <a:ext cx="743024" cy="307777"/>
+            <a:ext cx="808235" cy="307777"/>
           </a:xfrm>
           <a:prstGeom prst="rect">
             <a:avLst/>
@@ -4247,6 +4262,8 @@
                 <a:solidFill>
                   <a:schemeClr val="bg1"/>
                 </a:solidFill>
+                <a:latin typeface="Mapo한아름" panose="02000500000000000000" pitchFamily="2" charset="-127"/>
+                <a:ea typeface="Mapo한아름" panose="02000500000000000000" pitchFamily="2" charset="-127"/>
               </a:rPr>
               <a:t>Part 1, </a:t>
             </a:r>
@@ -4254,6 +4271,8 @@
               <a:solidFill>
                 <a:schemeClr val="bg1"/>
               </a:solidFill>
+              <a:latin typeface="Mapo한아름" panose="02000500000000000000" pitchFamily="2" charset="-127"/>
+              <a:ea typeface="Mapo한아름" panose="02000500000000000000" pitchFamily="2" charset="-127"/>
             </a:endParaRPr>
           </a:p>
         </p:txBody>
@@ -4273,7 +4292,7 @@
         <p:spPr>
           <a:xfrm>
             <a:off x="875104" y="676096"/>
-            <a:ext cx="4607352" cy="261610"/>
+            <a:ext cx="5170005" cy="261610"/>
           </a:xfrm>
           <a:prstGeom prst="rect">
             <a:avLst/>
@@ -4291,7 +4310,8 @@
                 <a:solidFill>
                   <a:schemeClr val="bg1"/>
                 </a:solidFill>
-                <a:latin typeface="Arial Nova Light" panose="020B0304020202020204" pitchFamily="34" charset="0"/>
+                <a:latin typeface="Mapo한아름" panose="02000500000000000000" pitchFamily="2" charset="-127"/>
+                <a:ea typeface="Mapo한아름" panose="02000500000000000000" pitchFamily="2" charset="-127"/>
               </a:rPr>
               <a:t>Lorem Ipsum is simply dummy text of the printing and typesetting industry</a:t>
             </a:r>
@@ -4299,7 +4319,8 @@
               <a:solidFill>
                 <a:schemeClr val="bg1"/>
               </a:solidFill>
-              <a:latin typeface="Arial Nova Light" panose="020B0304020202020204" pitchFamily="34" charset="0"/>
+              <a:latin typeface="Mapo한아름" panose="02000500000000000000" pitchFamily="2" charset="-127"/>
+              <a:ea typeface="Mapo한아름" panose="02000500000000000000" pitchFamily="2" charset="-127"/>
             </a:endParaRPr>
           </a:p>
         </p:txBody>
@@ -4319,7 +4340,7 @@
         <p:spPr>
           <a:xfrm>
             <a:off x="339536" y="1264666"/>
-            <a:ext cx="3656770" cy="461665"/>
+            <a:ext cx="3326552" cy="461665"/>
           </a:xfrm>
           <a:prstGeom prst="rect">
             <a:avLst/>
@@ -4337,7 +4358,8 @@
                 <a:solidFill>
                   <a:srgbClr val="04396C"/>
                 </a:solidFill>
-                <a:latin typeface="+mn-ea"/>
+                <a:latin typeface="Mapo한아름" panose="02000500000000000000" pitchFamily="2" charset="-127"/>
+                <a:ea typeface="Mapo한아름" panose="02000500000000000000" pitchFamily="2" charset="-127"/>
               </a:rPr>
               <a:t>확률적 모델링</a:t>
             </a:r>
@@ -4346,7 +4368,8 @@
                 <a:solidFill>
                   <a:srgbClr val="04396C"/>
                 </a:solidFill>
-                <a:latin typeface="+mn-ea"/>
+                <a:latin typeface="Mapo한아름" panose="02000500000000000000" pitchFamily="2" charset="-127"/>
+                <a:ea typeface="Mapo한아름" panose="02000500000000000000" pitchFamily="2" charset="-127"/>
               </a:rPr>
               <a:t>, </a:t>
             </a:r>
@@ -4355,7 +4378,8 @@
                 <a:solidFill>
                   <a:srgbClr val="04396C"/>
                 </a:solidFill>
-                <a:latin typeface="+mn-ea"/>
+                <a:latin typeface="Mapo한아름" panose="02000500000000000000" pitchFamily="2" charset="-127"/>
+                <a:ea typeface="Mapo한아름" panose="02000500000000000000" pitchFamily="2" charset="-127"/>
               </a:rPr>
               <a:t>초창기 신경망</a:t>
             </a:r>
@@ -4363,7 +4387,8 @@
               <a:solidFill>
                 <a:srgbClr val="04396C"/>
               </a:solidFill>
-              <a:latin typeface="+mn-ea"/>
+              <a:latin typeface="Mapo한아름" panose="02000500000000000000" pitchFamily="2" charset="-127"/>
+              <a:ea typeface="Mapo한아름" panose="02000500000000000000" pitchFamily="2" charset="-127"/>
             </a:endParaRPr>
           </a:p>
         </p:txBody>
@@ -4416,7 +4441,10 @@
           <a:lstStyle/>
           <a:p>
             <a:pPr algn="ctr"/>
-            <a:endParaRPr lang="ko-KR" altLang="en-US"/>
+            <a:endParaRPr lang="ko-KR" altLang="en-US">
+              <a:latin typeface="Mapo한아름" panose="02000500000000000000" pitchFamily="2" charset="-127"/>
+              <a:ea typeface="Mapo한아름" panose="02000500000000000000" pitchFamily="2" charset="-127"/>
+            </a:endParaRPr>
           </a:p>
         </p:txBody>
       </p:sp>
@@ -4462,7 +4490,10 @@
           <a:lstStyle/>
           <a:p>
             <a:pPr algn="ctr"/>
-            <a:endParaRPr lang="ko-KR" altLang="en-US"/>
+            <a:endParaRPr lang="ko-KR" altLang="en-US">
+              <a:latin typeface="Mapo한아름" panose="02000500000000000000" pitchFamily="2" charset="-127"/>
+              <a:ea typeface="Mapo한아름" panose="02000500000000000000" pitchFamily="2" charset="-127"/>
+            </a:endParaRPr>
           </a:p>
         </p:txBody>
       </p:sp>
@@ -4481,7 +4512,7 @@
         <p:spPr>
           <a:xfrm>
             <a:off x="687674" y="215314"/>
-            <a:ext cx="7212231" cy="646331"/>
+            <a:ext cx="6535764" cy="646331"/>
           </a:xfrm>
           <a:prstGeom prst="rect">
             <a:avLst/>
@@ -4499,6 +4530,8 @@
                 <a:solidFill>
                   <a:schemeClr val="bg1"/>
                 </a:solidFill>
+                <a:latin typeface="Mapo한아름" panose="02000500000000000000" pitchFamily="2" charset="-127"/>
+                <a:ea typeface="Mapo한아름" panose="02000500000000000000" pitchFamily="2" charset="-127"/>
               </a:rPr>
               <a:t>딥러닝 이전</a:t>
             </a:r>
@@ -4507,6 +4540,8 @@
                 <a:solidFill>
                   <a:schemeClr val="bg1"/>
                 </a:solidFill>
+                <a:latin typeface="Mapo한아름" panose="02000500000000000000" pitchFamily="2" charset="-127"/>
+                <a:ea typeface="Mapo한아름" panose="02000500000000000000" pitchFamily="2" charset="-127"/>
               </a:rPr>
               <a:t>: </a:t>
             </a:r>
@@ -4515,6 +4550,8 @@
                 <a:solidFill>
                   <a:schemeClr val="bg1"/>
                 </a:solidFill>
+                <a:latin typeface="Mapo한아름" panose="02000500000000000000" pitchFamily="2" charset="-127"/>
+                <a:ea typeface="Mapo한아름" panose="02000500000000000000" pitchFamily="2" charset="-127"/>
               </a:rPr>
               <a:t>머신 러닝의 간략한 역사</a:t>
             </a:r>
@@ -4536,7 +4573,7 @@
         <p:spPr>
           <a:xfrm>
             <a:off x="132080" y="117305"/>
-            <a:ext cx="423514" cy="307777"/>
+            <a:ext cx="460382" cy="307777"/>
           </a:xfrm>
           <a:prstGeom prst="rect">
             <a:avLst/>
@@ -4554,6 +4591,8 @@
                 <a:solidFill>
                   <a:schemeClr val="bg1"/>
                 </a:solidFill>
+                <a:latin typeface="Mapo한아름" panose="02000500000000000000" pitchFamily="2" charset="-127"/>
+                <a:ea typeface="Mapo한아름" panose="02000500000000000000" pitchFamily="2" charset="-127"/>
               </a:rPr>
               <a:t>1.2</a:t>
             </a:r>
@@ -4561,6 +4600,8 @@
               <a:solidFill>
                 <a:schemeClr val="bg1"/>
               </a:solidFill>
+              <a:latin typeface="Mapo한아름" panose="02000500000000000000" pitchFamily="2" charset="-127"/>
+              <a:ea typeface="Mapo한아름" panose="02000500000000000000" pitchFamily="2" charset="-127"/>
             </a:endParaRPr>
           </a:p>
         </p:txBody>
@@ -4594,89 +4635,158 @@
           <a:lstStyle/>
           <a:p>
             <a:r>
-              <a:rPr lang="ko-KR" altLang="en-US" dirty="0"/>
+              <a:rPr lang="ko-KR" altLang="en-US" dirty="0">
+                <a:latin typeface="Mapo한아름" panose="02000500000000000000" pitchFamily="2" charset="-127"/>
+                <a:ea typeface="Mapo한아름" panose="02000500000000000000" pitchFamily="2" charset="-127"/>
+              </a:rPr>
               <a:t>확률적 모델링</a:t>
             </a:r>
             <a:r>
-              <a:rPr lang="en-US" altLang="ko-KR" dirty="0"/>
+              <a:rPr lang="en-US" altLang="ko-KR" dirty="0">
+                <a:latin typeface="Mapo한아름" panose="02000500000000000000" pitchFamily="2" charset="-127"/>
+                <a:ea typeface="Mapo한아름" panose="02000500000000000000" pitchFamily="2" charset="-127"/>
+              </a:rPr>
               <a:t>(probability modeling)</a:t>
             </a:r>
             <a:r>
-              <a:rPr lang="ko-KR" altLang="en-US" dirty="0"/>
+              <a:rPr lang="ko-KR" altLang="en-US" dirty="0">
+                <a:latin typeface="Mapo한아름" panose="02000500000000000000" pitchFamily="2" charset="-127"/>
+                <a:ea typeface="Mapo한아름" panose="02000500000000000000" pitchFamily="2" charset="-127"/>
+              </a:rPr>
               <a:t>이란</a:t>
             </a:r>
             <a:r>
-              <a:rPr lang="en-US" altLang="ko-KR" dirty="0"/>
+              <a:rPr lang="en-US" altLang="ko-KR" dirty="0">
+                <a:latin typeface="Mapo한아름" panose="02000500000000000000" pitchFamily="2" charset="-127"/>
+                <a:ea typeface="Mapo한아름" panose="02000500000000000000" pitchFamily="2" charset="-127"/>
+              </a:rPr>
               <a:t>?</a:t>
             </a:r>
           </a:p>
           <a:p>
             <a:r>
-              <a:rPr lang="ko-KR" altLang="en-US" dirty="0"/>
+              <a:rPr lang="ko-KR" altLang="en-US" dirty="0">
+                <a:latin typeface="Mapo한아름" panose="02000500000000000000" pitchFamily="2" charset="-127"/>
+                <a:ea typeface="Mapo한아름" panose="02000500000000000000" pitchFamily="2" charset="-127"/>
+              </a:rPr>
               <a:t>통계학 이론을 데이터 분석에 응용한 것</a:t>
             </a:r>
-            <a:endParaRPr lang="en-US" altLang="ko-KR" dirty="0"/>
-          </a:p>
-          <a:p>
-            <a:endParaRPr lang="en-US" altLang="ko-KR" dirty="0"/>
-          </a:p>
-          <a:p>
-            <a:endParaRPr lang="en-US" altLang="ko-KR" dirty="0"/>
-          </a:p>
-          <a:p>
-            <a:r>
-              <a:rPr lang="en-US" altLang="ko-KR" dirty="0"/>
+            <a:endParaRPr lang="en-US" altLang="ko-KR" dirty="0">
+              <a:latin typeface="Mapo한아름" panose="02000500000000000000" pitchFamily="2" charset="-127"/>
+              <a:ea typeface="Mapo한아름" panose="02000500000000000000" pitchFamily="2" charset="-127"/>
+            </a:endParaRPr>
+          </a:p>
+          <a:p>
+            <a:endParaRPr lang="en-US" altLang="ko-KR" dirty="0">
+              <a:latin typeface="Mapo한아름" panose="02000500000000000000" pitchFamily="2" charset="-127"/>
+              <a:ea typeface="Mapo한아름" panose="02000500000000000000" pitchFamily="2" charset="-127"/>
+            </a:endParaRPr>
+          </a:p>
+          <a:p>
+            <a:endParaRPr lang="en-US" altLang="ko-KR" dirty="0">
+              <a:latin typeface="Mapo한아름" panose="02000500000000000000" pitchFamily="2" charset="-127"/>
+              <a:ea typeface="Mapo한아름" panose="02000500000000000000" pitchFamily="2" charset="-127"/>
+            </a:endParaRPr>
+          </a:p>
+          <a:p>
+            <a:r>
+              <a:rPr lang="en-US" altLang="ko-KR" dirty="0">
+                <a:latin typeface="Mapo한아름" panose="02000500000000000000" pitchFamily="2" charset="-127"/>
+                <a:ea typeface="Mapo한아름" panose="02000500000000000000" pitchFamily="2" charset="-127"/>
+              </a:rPr>
               <a:t>1950’s</a:t>
             </a:r>
             <a:r>
-              <a:rPr lang="ko-KR" altLang="en-US" dirty="0"/>
+              <a:rPr lang="ko-KR" altLang="en-US" dirty="0">
+                <a:latin typeface="Mapo한아름" panose="02000500000000000000" pitchFamily="2" charset="-127"/>
+                <a:ea typeface="Mapo한아름" panose="02000500000000000000" pitchFamily="2" charset="-127"/>
+              </a:rPr>
               <a:t> </a:t>
             </a:r>
             <a:r>
-              <a:rPr lang="en-US" altLang="ko-KR" dirty="0"/>
+              <a:rPr lang="en-US" altLang="ko-KR" dirty="0">
+                <a:latin typeface="Mapo한아름" panose="02000500000000000000" pitchFamily="2" charset="-127"/>
+                <a:ea typeface="Mapo한아름" panose="02000500000000000000" pitchFamily="2" charset="-127"/>
+              </a:rPr>
               <a:t>:</a:t>
             </a:r>
             <a:r>
-              <a:rPr lang="ko-KR" altLang="en-US" dirty="0"/>
+              <a:rPr lang="ko-KR" altLang="en-US" dirty="0">
+                <a:latin typeface="Mapo한아름" panose="02000500000000000000" pitchFamily="2" charset="-127"/>
+                <a:ea typeface="Mapo한아름" panose="02000500000000000000" pitchFamily="2" charset="-127"/>
+              </a:rPr>
               <a:t> 대규모 신경망에 대한 효율적인 학습 방법이 없었음</a:t>
             </a:r>
-            <a:endParaRPr lang="en-US" altLang="ko-KR" dirty="0"/>
-          </a:p>
-          <a:p>
-            <a:r>
-              <a:rPr lang="en-US" altLang="ko-KR" dirty="0"/>
+            <a:endParaRPr lang="en-US" altLang="ko-KR" dirty="0">
+              <a:latin typeface="Mapo한아름" panose="02000500000000000000" pitchFamily="2" charset="-127"/>
+              <a:ea typeface="Mapo한아름" panose="02000500000000000000" pitchFamily="2" charset="-127"/>
+            </a:endParaRPr>
+          </a:p>
+          <a:p>
+            <a:r>
+              <a:rPr lang="en-US" altLang="ko-KR" dirty="0">
+                <a:latin typeface="Mapo한아름" panose="02000500000000000000" pitchFamily="2" charset="-127"/>
+                <a:ea typeface="Mapo한아름" panose="02000500000000000000" pitchFamily="2" charset="-127"/>
+              </a:rPr>
               <a:t>1980’s :</a:t>
             </a:r>
             <a:r>
-              <a:rPr lang="ko-KR" altLang="en-US" dirty="0"/>
+              <a:rPr lang="ko-KR" altLang="en-US" dirty="0">
+                <a:latin typeface="Mapo한아름" panose="02000500000000000000" pitchFamily="2" charset="-127"/>
+                <a:ea typeface="Mapo한아름" panose="02000500000000000000" pitchFamily="2" charset="-127"/>
+              </a:rPr>
               <a:t> </a:t>
             </a:r>
             <a:r>
-              <a:rPr lang="ko-KR" altLang="en-US" dirty="0" err="1"/>
+              <a:rPr lang="ko-KR" altLang="en-US" dirty="0" err="1">
+                <a:latin typeface="Mapo한아름" panose="02000500000000000000" pitchFamily="2" charset="-127"/>
+                <a:ea typeface="Mapo한아름" panose="02000500000000000000" pitchFamily="2" charset="-127"/>
+              </a:rPr>
               <a:t>역전파</a:t>
             </a:r>
             <a:r>
-              <a:rPr lang="ko-KR" altLang="en-US" dirty="0"/>
+              <a:rPr lang="ko-KR" altLang="en-US" dirty="0">
+                <a:latin typeface="Mapo한아름" panose="02000500000000000000" pitchFamily="2" charset="-127"/>
+                <a:ea typeface="Mapo한아름" panose="02000500000000000000" pitchFamily="2" charset="-127"/>
+              </a:rPr>
               <a:t> 알고리즘 발견 </a:t>
             </a:r>
             <a:r>
-              <a:rPr lang="en-US" altLang="ko-KR" dirty="0"/>
+              <a:rPr lang="en-US" altLang="ko-KR" dirty="0">
+                <a:latin typeface="Mapo한아름" panose="02000500000000000000" pitchFamily="2" charset="-127"/>
+                <a:ea typeface="Mapo한아름" panose="02000500000000000000" pitchFamily="2" charset="-127"/>
+              </a:rPr>
               <a:t>=&gt;</a:t>
             </a:r>
             <a:r>
-              <a:rPr lang="ko-KR" altLang="en-US" dirty="0"/>
+              <a:rPr lang="ko-KR" altLang="en-US" dirty="0">
+                <a:latin typeface="Mapo한아름" panose="02000500000000000000" pitchFamily="2" charset="-127"/>
+                <a:ea typeface="Mapo한아름" panose="02000500000000000000" pitchFamily="2" charset="-127"/>
+              </a:rPr>
               <a:t>현재의 신경망</a:t>
             </a:r>
-            <a:endParaRPr lang="en-US" altLang="ko-KR" dirty="0"/>
-          </a:p>
-          <a:p>
-            <a:endParaRPr lang="en-US" altLang="ko-KR" dirty="0"/>
-          </a:p>
-          <a:p>
-            <a:endParaRPr lang="en-US" altLang="ko-KR" dirty="0"/>
-          </a:p>
-          <a:p>
-            <a:endParaRPr lang="ko-KR" altLang="en-US" dirty="0"/>
+            <a:endParaRPr lang="en-US" altLang="ko-KR" dirty="0">
+              <a:latin typeface="Mapo한아름" panose="02000500000000000000" pitchFamily="2" charset="-127"/>
+              <a:ea typeface="Mapo한아름" panose="02000500000000000000" pitchFamily="2" charset="-127"/>
+            </a:endParaRPr>
+          </a:p>
+          <a:p>
+            <a:endParaRPr lang="en-US" altLang="ko-KR" dirty="0">
+              <a:latin typeface="Mapo한아름" panose="02000500000000000000" pitchFamily="2" charset="-127"/>
+              <a:ea typeface="Mapo한아름" panose="02000500000000000000" pitchFamily="2" charset="-127"/>
+            </a:endParaRPr>
+          </a:p>
+          <a:p>
+            <a:endParaRPr lang="en-US" altLang="ko-KR" dirty="0">
+              <a:latin typeface="Mapo한아름" panose="02000500000000000000" pitchFamily="2" charset="-127"/>
+              <a:ea typeface="Mapo한아름" panose="02000500000000000000" pitchFamily="2" charset="-127"/>
+            </a:endParaRPr>
+          </a:p>
+          <a:p>
+            <a:endParaRPr lang="ko-KR" altLang="en-US" dirty="0">
+              <a:latin typeface="Mapo한아름" panose="02000500000000000000" pitchFamily="2" charset="-127"/>
+              <a:ea typeface="Mapo한아름" panose="02000500000000000000" pitchFamily="2" charset="-127"/>
+            </a:endParaRPr>
           </a:p>
         </p:txBody>
       </p:sp>
@@ -5123,71 +5233,128 @@
           <a:lstStyle/>
           <a:p>
             <a:r>
-              <a:rPr lang="ko-KR" altLang="en-US" dirty="0"/>
+              <a:rPr lang="ko-KR" altLang="en-US" dirty="0">
+                <a:latin typeface="Mapo한아름" panose="02000500000000000000" pitchFamily="2" charset="-127"/>
+                <a:ea typeface="Mapo한아름" panose="02000500000000000000" pitchFamily="2" charset="-127"/>
+              </a:rPr>
               <a:t>커널 방법</a:t>
             </a:r>
             <a:r>
-              <a:rPr lang="en-US" altLang="ko-KR" dirty="0"/>
+              <a:rPr lang="en-US" altLang="ko-KR" dirty="0">
+                <a:latin typeface="Mapo한아름" panose="02000500000000000000" pitchFamily="2" charset="-127"/>
+                <a:ea typeface="Mapo한아름" panose="02000500000000000000" pitchFamily="2" charset="-127"/>
+              </a:rPr>
               <a:t>(Kernel method) : </a:t>
             </a:r>
             <a:r>
-              <a:rPr lang="ko-KR" altLang="en-US" dirty="0"/>
+              <a:rPr lang="ko-KR" altLang="en-US" dirty="0">
+                <a:latin typeface="Mapo한아름" panose="02000500000000000000" pitchFamily="2" charset="-127"/>
+                <a:ea typeface="Mapo한아름" panose="02000500000000000000" pitchFamily="2" charset="-127"/>
+              </a:rPr>
               <a:t>분류 알고리즘의 한 종류</a:t>
             </a:r>
-            <a:endParaRPr lang="en-US" altLang="ko-KR" dirty="0"/>
-          </a:p>
-          <a:p>
-            <a:r>
-              <a:rPr lang="en-US" altLang="ko-KR" dirty="0"/>
+            <a:endParaRPr lang="en-US" altLang="ko-KR" dirty="0">
+              <a:latin typeface="Mapo한아름" panose="02000500000000000000" pitchFamily="2" charset="-127"/>
+              <a:ea typeface="Mapo한아름" panose="02000500000000000000" pitchFamily="2" charset="-127"/>
+            </a:endParaRPr>
+          </a:p>
+          <a:p>
+            <a:r>
+              <a:rPr lang="en-US" altLang="ko-KR" dirty="0">
+                <a:latin typeface="Mapo한아름" panose="02000500000000000000" pitchFamily="2" charset="-127"/>
+                <a:ea typeface="Mapo한아름" panose="02000500000000000000" pitchFamily="2" charset="-127"/>
+              </a:rPr>
               <a:t>			</a:t>
             </a:r>
             <a:r>
-              <a:rPr lang="ko-KR" altLang="en-US" dirty="0"/>
+              <a:rPr lang="ko-KR" altLang="en-US" dirty="0">
+                <a:latin typeface="Mapo한아름" panose="02000500000000000000" pitchFamily="2" charset="-127"/>
+                <a:ea typeface="Mapo한아름" panose="02000500000000000000" pitchFamily="2" charset="-127"/>
+              </a:rPr>
               <a:t>서포트 벡터 머신</a:t>
             </a:r>
             <a:r>
-              <a:rPr lang="en-US" altLang="ko-KR" dirty="0"/>
+              <a:rPr lang="en-US" altLang="ko-KR" dirty="0">
+                <a:latin typeface="Mapo한아름" panose="02000500000000000000" pitchFamily="2" charset="-127"/>
+                <a:ea typeface="Mapo한아름" panose="02000500000000000000" pitchFamily="2" charset="-127"/>
+              </a:rPr>
               <a:t>(Support Vector Machine, SVM) </a:t>
             </a:r>
             <a:r>
-              <a:rPr lang="ko-KR" altLang="en-US" dirty="0"/>
+              <a:rPr lang="ko-KR" altLang="en-US" dirty="0">
+                <a:latin typeface="Mapo한아름" panose="02000500000000000000" pitchFamily="2" charset="-127"/>
+                <a:ea typeface="Mapo한아름" panose="02000500000000000000" pitchFamily="2" charset="-127"/>
+              </a:rPr>
               <a:t>이 가장 유명</a:t>
             </a:r>
-            <a:endParaRPr lang="en-US" altLang="ko-KR" dirty="0"/>
-          </a:p>
-          <a:p>
-            <a:endParaRPr lang="en-US" altLang="ko-KR" dirty="0"/>
-          </a:p>
-          <a:p>
-            <a:r>
-              <a:rPr lang="en-US" altLang="ko-KR" dirty="0"/>
+            <a:endParaRPr lang="en-US" altLang="ko-KR" dirty="0">
+              <a:latin typeface="Mapo한아름" panose="02000500000000000000" pitchFamily="2" charset="-127"/>
+              <a:ea typeface="Mapo한아름" panose="02000500000000000000" pitchFamily="2" charset="-127"/>
+            </a:endParaRPr>
+          </a:p>
+          <a:p>
+            <a:endParaRPr lang="en-US" altLang="ko-KR" dirty="0">
+              <a:latin typeface="Mapo한아름" panose="02000500000000000000" pitchFamily="2" charset="-127"/>
+              <a:ea typeface="Mapo한아름" panose="02000500000000000000" pitchFamily="2" charset="-127"/>
+            </a:endParaRPr>
+          </a:p>
+          <a:p>
+            <a:r>
+              <a:rPr lang="en-US" altLang="ko-KR" dirty="0">
+                <a:latin typeface="Mapo한아름" panose="02000500000000000000" pitchFamily="2" charset="-127"/>
+                <a:ea typeface="Mapo한아름" panose="02000500000000000000" pitchFamily="2" charset="-127"/>
+              </a:rPr>
               <a:t>SVM</a:t>
             </a:r>
             <a:r>
-              <a:rPr lang="ko-KR" altLang="en-US" dirty="0"/>
+              <a:rPr lang="ko-KR" altLang="en-US" dirty="0">
+                <a:latin typeface="Mapo한아름" panose="02000500000000000000" pitchFamily="2" charset="-127"/>
+                <a:ea typeface="Mapo한아름" panose="02000500000000000000" pitchFamily="2" charset="-127"/>
+              </a:rPr>
               <a:t> </a:t>
             </a:r>
             <a:r>
-              <a:rPr lang="en-US" altLang="ko-KR" dirty="0"/>
+              <a:rPr lang="en-US" altLang="ko-KR" dirty="0">
+                <a:latin typeface="Mapo한아름" panose="02000500000000000000" pitchFamily="2" charset="-127"/>
+                <a:ea typeface="Mapo한아름" panose="02000500000000000000" pitchFamily="2" charset="-127"/>
+              </a:rPr>
               <a:t>:</a:t>
             </a:r>
             <a:r>
-              <a:rPr lang="ko-KR" altLang="en-US" dirty="0"/>
+              <a:rPr lang="ko-KR" altLang="en-US" dirty="0">
+                <a:latin typeface="Mapo한아름" panose="02000500000000000000" pitchFamily="2" charset="-127"/>
+                <a:ea typeface="Mapo한아름" panose="02000500000000000000" pitchFamily="2" charset="-127"/>
+              </a:rPr>
               <a:t> 데이터 포인트 그룹 사이에 좋은 결정경계를 찾음</a:t>
             </a:r>
-            <a:endParaRPr lang="en-US" altLang="ko-KR" dirty="0"/>
-          </a:p>
-          <a:p>
-            <a:endParaRPr lang="en-US" altLang="ko-KR" dirty="0"/>
-          </a:p>
-          <a:p>
-            <a:endParaRPr lang="en-US" altLang="ko-KR" dirty="0"/>
-          </a:p>
-          <a:p>
-            <a:endParaRPr lang="en-US" altLang="ko-KR" dirty="0"/>
-          </a:p>
-          <a:p>
-            <a:endParaRPr lang="ko-KR" altLang="en-US" dirty="0"/>
+            <a:endParaRPr lang="en-US" altLang="ko-KR" dirty="0">
+              <a:latin typeface="Mapo한아름" panose="02000500000000000000" pitchFamily="2" charset="-127"/>
+              <a:ea typeface="Mapo한아름" panose="02000500000000000000" pitchFamily="2" charset="-127"/>
+            </a:endParaRPr>
+          </a:p>
+          <a:p>
+            <a:endParaRPr lang="en-US" altLang="ko-KR" dirty="0">
+              <a:latin typeface="Mapo한아름" panose="02000500000000000000" pitchFamily="2" charset="-127"/>
+              <a:ea typeface="Mapo한아름" panose="02000500000000000000" pitchFamily="2" charset="-127"/>
+            </a:endParaRPr>
+          </a:p>
+          <a:p>
+            <a:endParaRPr lang="en-US" altLang="ko-KR" dirty="0">
+              <a:latin typeface="Mapo한아름" panose="02000500000000000000" pitchFamily="2" charset="-127"/>
+              <a:ea typeface="Mapo한아름" panose="02000500000000000000" pitchFamily="2" charset="-127"/>
+            </a:endParaRPr>
+          </a:p>
+          <a:p>
+            <a:endParaRPr lang="en-US" altLang="ko-KR" dirty="0">
+              <a:latin typeface="Mapo한아름" panose="02000500000000000000" pitchFamily="2" charset="-127"/>
+              <a:ea typeface="Mapo한아름" panose="02000500000000000000" pitchFamily="2" charset="-127"/>
+            </a:endParaRPr>
+          </a:p>
+          <a:p>
+            <a:endParaRPr lang="ko-KR" altLang="en-US" dirty="0">
+              <a:latin typeface="Mapo한아름" panose="02000500000000000000" pitchFamily="2" charset="-127"/>
+              <a:ea typeface="Mapo한아름" panose="02000500000000000000" pitchFamily="2" charset="-127"/>
+            </a:endParaRPr>
           </a:p>
         </p:txBody>
       </p:sp>
@@ -5278,7 +5445,7 @@
         <p:spPr>
           <a:xfrm>
             <a:off x="875104" y="101916"/>
-            <a:ext cx="3313728" cy="646331"/>
+            <a:ext cx="3366627" cy="646331"/>
           </a:xfrm>
           <a:prstGeom prst="rect">
             <a:avLst/>
@@ -5296,6 +5463,8 @@
                 <a:solidFill>
                   <a:schemeClr val="bg1"/>
                 </a:solidFill>
+                <a:latin typeface="Mapo한아름" panose="02000500000000000000" pitchFamily="2" charset="-127"/>
+                <a:ea typeface="Mapo한아름" panose="02000500000000000000" pitchFamily="2" charset="-127"/>
               </a:rPr>
               <a:t>제목을 입력하세요</a:t>
             </a:r>
@@ -5317,7 +5486,7 @@
         <p:spPr>
           <a:xfrm>
             <a:off x="132080" y="117305"/>
-            <a:ext cx="743024" cy="307777"/>
+            <a:ext cx="808235" cy="307777"/>
           </a:xfrm>
           <a:prstGeom prst="rect">
             <a:avLst/>
@@ -5335,6 +5504,8 @@
                 <a:solidFill>
                   <a:schemeClr val="bg1"/>
                 </a:solidFill>
+                <a:latin typeface="Mapo한아름" panose="02000500000000000000" pitchFamily="2" charset="-127"/>
+                <a:ea typeface="Mapo한아름" panose="02000500000000000000" pitchFamily="2" charset="-127"/>
               </a:rPr>
               <a:t>Part 1, </a:t>
             </a:r>
@@ -5342,6 +5513,8 @@
               <a:solidFill>
                 <a:schemeClr val="bg1"/>
               </a:solidFill>
+              <a:latin typeface="Mapo한아름" panose="02000500000000000000" pitchFamily="2" charset="-127"/>
+              <a:ea typeface="Mapo한아름" panose="02000500000000000000" pitchFamily="2" charset="-127"/>
             </a:endParaRPr>
           </a:p>
         </p:txBody>
@@ -5361,7 +5534,7 @@
         <p:spPr>
           <a:xfrm>
             <a:off x="875104" y="676096"/>
-            <a:ext cx="4607352" cy="261610"/>
+            <a:ext cx="5170005" cy="261610"/>
           </a:xfrm>
           <a:prstGeom prst="rect">
             <a:avLst/>
@@ -5379,7 +5552,8 @@
                 <a:solidFill>
                   <a:schemeClr val="bg1"/>
                 </a:solidFill>
-                <a:latin typeface="Arial Nova Light" panose="020B0304020202020204" pitchFamily="34" charset="0"/>
+                <a:latin typeface="Mapo한아름" panose="02000500000000000000" pitchFamily="2" charset="-127"/>
+                <a:ea typeface="Mapo한아름" panose="02000500000000000000" pitchFamily="2" charset="-127"/>
               </a:rPr>
               <a:t>Lorem Ipsum is simply dummy text of the printing and typesetting industry</a:t>
             </a:r>
@@ -5387,7 +5561,8 @@
               <a:solidFill>
                 <a:schemeClr val="bg1"/>
               </a:solidFill>
-              <a:latin typeface="Arial Nova Light" panose="020B0304020202020204" pitchFamily="34" charset="0"/>
+              <a:latin typeface="Mapo한아름" panose="02000500000000000000" pitchFamily="2" charset="-127"/>
+              <a:ea typeface="Mapo한아름" panose="02000500000000000000" pitchFamily="2" charset="-127"/>
             </a:endParaRPr>
           </a:p>
         </p:txBody>
@@ -5407,7 +5582,7 @@
         <p:spPr>
           <a:xfrm>
             <a:off x="339536" y="1264666"/>
-            <a:ext cx="3656770" cy="461665"/>
+            <a:ext cx="3326552" cy="461665"/>
           </a:xfrm>
           <a:prstGeom prst="rect">
             <a:avLst/>
@@ -5425,7 +5600,8 @@
                 <a:solidFill>
                   <a:srgbClr val="04396C"/>
                 </a:solidFill>
-                <a:latin typeface="+mn-ea"/>
+                <a:latin typeface="Mapo한아름" panose="02000500000000000000" pitchFamily="2" charset="-127"/>
+                <a:ea typeface="Mapo한아름" panose="02000500000000000000" pitchFamily="2" charset="-127"/>
               </a:rPr>
               <a:t>확률적 모델링</a:t>
             </a:r>
@@ -5434,7 +5610,8 @@
                 <a:solidFill>
                   <a:srgbClr val="04396C"/>
                 </a:solidFill>
-                <a:latin typeface="+mn-ea"/>
+                <a:latin typeface="Mapo한아름" panose="02000500000000000000" pitchFamily="2" charset="-127"/>
+                <a:ea typeface="Mapo한아름" panose="02000500000000000000" pitchFamily="2" charset="-127"/>
               </a:rPr>
               <a:t>, </a:t>
             </a:r>
@@ -5443,7 +5620,8 @@
                 <a:solidFill>
                   <a:srgbClr val="04396C"/>
                 </a:solidFill>
-                <a:latin typeface="+mn-ea"/>
+                <a:latin typeface="Mapo한아름" panose="02000500000000000000" pitchFamily="2" charset="-127"/>
+                <a:ea typeface="Mapo한아름" panose="02000500000000000000" pitchFamily="2" charset="-127"/>
               </a:rPr>
               <a:t>초창기 신경망</a:t>
             </a:r>
@@ -5451,7 +5629,8 @@
               <a:solidFill>
                 <a:srgbClr val="04396C"/>
               </a:solidFill>
-              <a:latin typeface="+mn-ea"/>
+              <a:latin typeface="Mapo한아름" panose="02000500000000000000" pitchFamily="2" charset="-127"/>
+              <a:ea typeface="Mapo한아름" panose="02000500000000000000" pitchFamily="2" charset="-127"/>
             </a:endParaRPr>
           </a:p>
         </p:txBody>
@@ -5504,7 +5683,10 @@
           <a:lstStyle/>
           <a:p>
             <a:pPr algn="ctr"/>
-            <a:endParaRPr lang="ko-KR" altLang="en-US"/>
+            <a:endParaRPr lang="ko-KR" altLang="en-US">
+              <a:latin typeface="Mapo한아름" panose="02000500000000000000" pitchFamily="2" charset="-127"/>
+              <a:ea typeface="Mapo한아름" panose="02000500000000000000" pitchFamily="2" charset="-127"/>
+            </a:endParaRPr>
           </a:p>
         </p:txBody>
       </p:sp>
@@ -5550,7 +5732,10 @@
           <a:lstStyle/>
           <a:p>
             <a:pPr algn="ctr"/>
-            <a:endParaRPr lang="ko-KR" altLang="en-US"/>
+            <a:endParaRPr lang="ko-KR" altLang="en-US">
+              <a:latin typeface="Mapo한아름" panose="02000500000000000000" pitchFamily="2" charset="-127"/>
+              <a:ea typeface="Mapo한아름" panose="02000500000000000000" pitchFamily="2" charset="-127"/>
+            </a:endParaRPr>
           </a:p>
         </p:txBody>
       </p:sp>
@@ -5569,7 +5754,7 @@
         <p:spPr>
           <a:xfrm>
             <a:off x="687674" y="215314"/>
-            <a:ext cx="7212231" cy="646331"/>
+            <a:ext cx="6535764" cy="646331"/>
           </a:xfrm>
           <a:prstGeom prst="rect">
             <a:avLst/>
@@ -5587,6 +5772,8 @@
                 <a:solidFill>
                   <a:schemeClr val="bg1"/>
                 </a:solidFill>
+                <a:latin typeface="Mapo한아름" panose="02000500000000000000" pitchFamily="2" charset="-127"/>
+                <a:ea typeface="Mapo한아름" panose="02000500000000000000" pitchFamily="2" charset="-127"/>
               </a:rPr>
               <a:t>딥러닝 이전</a:t>
             </a:r>
@@ -5595,6 +5782,8 @@
                 <a:solidFill>
                   <a:schemeClr val="bg1"/>
                 </a:solidFill>
+                <a:latin typeface="Mapo한아름" panose="02000500000000000000" pitchFamily="2" charset="-127"/>
+                <a:ea typeface="Mapo한아름" panose="02000500000000000000" pitchFamily="2" charset="-127"/>
               </a:rPr>
               <a:t>: </a:t>
             </a:r>
@@ -5603,6 +5792,8 @@
                 <a:solidFill>
                   <a:schemeClr val="bg1"/>
                 </a:solidFill>
+                <a:latin typeface="Mapo한아름" panose="02000500000000000000" pitchFamily="2" charset="-127"/>
+                <a:ea typeface="Mapo한아름" panose="02000500000000000000" pitchFamily="2" charset="-127"/>
               </a:rPr>
               <a:t>머신 러닝의 간략한 역사</a:t>
             </a:r>
@@ -5624,7 +5815,7 @@
         <p:spPr>
           <a:xfrm>
             <a:off x="132080" y="117305"/>
-            <a:ext cx="423514" cy="307777"/>
+            <a:ext cx="460382" cy="307777"/>
           </a:xfrm>
           <a:prstGeom prst="rect">
             <a:avLst/>
@@ -5642,6 +5833,8 @@
                 <a:solidFill>
                   <a:schemeClr val="bg1"/>
                 </a:solidFill>
+                <a:latin typeface="Mapo한아름" panose="02000500000000000000" pitchFamily="2" charset="-127"/>
+                <a:ea typeface="Mapo한아름" panose="02000500000000000000" pitchFamily="2" charset="-127"/>
               </a:rPr>
               <a:t>1.2</a:t>
             </a:r>
@@ -5649,6 +5842,8 @@
               <a:solidFill>
                 <a:schemeClr val="bg1"/>
               </a:solidFill>
+              <a:latin typeface="Mapo한아름" panose="02000500000000000000" pitchFamily="2" charset="-127"/>
+              <a:ea typeface="Mapo한아름" panose="02000500000000000000" pitchFamily="2" charset="-127"/>
             </a:endParaRPr>
           </a:p>
         </p:txBody>
@@ -5682,126 +5877,222 @@
           <a:lstStyle/>
           <a:p>
             <a:r>
-              <a:rPr lang="ko-KR" altLang="en-US" dirty="0"/>
+              <a:rPr lang="ko-KR" altLang="en-US" dirty="0">
+                <a:latin typeface="Mapo한아름" panose="02000500000000000000" pitchFamily="2" charset="-127"/>
+                <a:ea typeface="Mapo한아름" panose="02000500000000000000" pitchFamily="2" charset="-127"/>
+              </a:rPr>
               <a:t>결정 트리</a:t>
             </a:r>
             <a:r>
-              <a:rPr lang="en-US" altLang="ko-KR" dirty="0"/>
+              <a:rPr lang="en-US" altLang="ko-KR" dirty="0">
+                <a:latin typeface="Mapo한아름" panose="02000500000000000000" pitchFamily="2" charset="-127"/>
+                <a:ea typeface="Mapo한아름" panose="02000500000000000000" pitchFamily="2" charset="-127"/>
+              </a:rPr>
               <a:t>(decision tree) :</a:t>
             </a:r>
             <a:r>
-              <a:rPr lang="ko-KR" altLang="en-US" dirty="0"/>
+              <a:rPr lang="ko-KR" altLang="en-US" dirty="0">
+                <a:latin typeface="Mapo한아름" panose="02000500000000000000" pitchFamily="2" charset="-127"/>
+                <a:ea typeface="Mapo한아름" panose="02000500000000000000" pitchFamily="2" charset="-127"/>
+              </a:rPr>
               <a:t> </a:t>
             </a:r>
             <a:r>
-              <a:rPr lang="ko-KR" altLang="en-US" dirty="0" err="1"/>
+              <a:rPr lang="ko-KR" altLang="en-US" dirty="0" err="1">
+                <a:latin typeface="Mapo한아름" panose="02000500000000000000" pitchFamily="2" charset="-127"/>
+                <a:ea typeface="Mapo한아름" panose="02000500000000000000" pitchFamily="2" charset="-127"/>
+              </a:rPr>
               <a:t>플로우차트와</a:t>
             </a:r>
             <a:r>
-              <a:rPr lang="ko-KR" altLang="en-US" dirty="0"/>
-              <a:t> 같은 구조를</a:t>
-            </a:r>
-            <a:endParaRPr lang="en-US" altLang="ko-KR" dirty="0"/>
-          </a:p>
-          <a:p>
-            <a:r>
-              <a:rPr lang="en-US" altLang="ko-KR" dirty="0"/>
+              <a:rPr lang="ko-KR" altLang="en-US" dirty="0">
+                <a:latin typeface="Mapo한아름" panose="02000500000000000000" pitchFamily="2" charset="-127"/>
+                <a:ea typeface="Mapo한아름" panose="02000500000000000000" pitchFamily="2" charset="-127"/>
+              </a:rPr>
+              <a:t> 같은 구조를 가짐</a:t>
+            </a:r>
+            <a:endParaRPr lang="en-US" altLang="ko-KR" dirty="0">
+              <a:latin typeface="Mapo한아름" panose="02000500000000000000" pitchFamily="2" charset="-127"/>
+              <a:ea typeface="Mapo한아름" panose="02000500000000000000" pitchFamily="2" charset="-127"/>
+            </a:endParaRPr>
+          </a:p>
+          <a:p>
+            <a:r>
+              <a:rPr lang="en-US" altLang="ko-KR" dirty="0">
+                <a:latin typeface="Mapo한아름" panose="02000500000000000000" pitchFamily="2" charset="-127"/>
+                <a:ea typeface="Mapo한아름" panose="02000500000000000000" pitchFamily="2" charset="-127"/>
+              </a:rPr>
               <a:t>			</a:t>
             </a:r>
             <a:r>
-              <a:rPr lang="ko-KR" altLang="en-US" dirty="0"/>
+              <a:rPr lang="ko-KR" altLang="en-US" dirty="0">
+                <a:latin typeface="Mapo한아름" panose="02000500000000000000" pitchFamily="2" charset="-127"/>
+                <a:ea typeface="Mapo한아름" panose="02000500000000000000" pitchFamily="2" charset="-127"/>
+              </a:rPr>
               <a:t>랜덤 포레스트</a:t>
             </a:r>
             <a:r>
-              <a:rPr lang="en-US" altLang="ko-KR" dirty="0"/>
+              <a:rPr lang="en-US" altLang="ko-KR" dirty="0">
+                <a:latin typeface="Mapo한아름" panose="02000500000000000000" pitchFamily="2" charset="-127"/>
+                <a:ea typeface="Mapo한아름" panose="02000500000000000000" pitchFamily="2" charset="-127"/>
+              </a:rPr>
               <a:t>(Random Forest) </a:t>
             </a:r>
             <a:r>
-              <a:rPr lang="ko-KR" altLang="en-US" dirty="0"/>
+              <a:rPr lang="ko-KR" altLang="en-US" dirty="0">
+                <a:latin typeface="Mapo한아름" panose="02000500000000000000" pitchFamily="2" charset="-127"/>
+                <a:ea typeface="Mapo한아름" panose="02000500000000000000" pitchFamily="2" charset="-127"/>
+              </a:rPr>
               <a:t>알고리즘</a:t>
             </a:r>
             <a:r>
-              <a:rPr lang="en-US" altLang="ko-KR" dirty="0"/>
+              <a:rPr lang="en-US" altLang="ko-KR" dirty="0">
+                <a:latin typeface="Mapo한아름" panose="02000500000000000000" pitchFamily="2" charset="-127"/>
+                <a:ea typeface="Mapo한아름" panose="02000500000000000000" pitchFamily="2" charset="-127"/>
+              </a:rPr>
               <a:t>?</a:t>
             </a:r>
           </a:p>
           <a:p>
             <a:r>
-              <a:rPr lang="en-US" altLang="ko-KR" dirty="0"/>
+              <a:rPr lang="en-US" altLang="ko-KR" dirty="0">
+                <a:latin typeface="Mapo한아름" panose="02000500000000000000" pitchFamily="2" charset="-127"/>
+                <a:ea typeface="Mapo한아름" panose="02000500000000000000" pitchFamily="2" charset="-127"/>
+              </a:rPr>
               <a:t>			</a:t>
             </a:r>
             <a:r>
-              <a:rPr lang="ko-KR" altLang="en-US" dirty="0"/>
+              <a:rPr lang="ko-KR" altLang="en-US" dirty="0">
+                <a:latin typeface="Mapo한아름" panose="02000500000000000000" pitchFamily="2" charset="-127"/>
+                <a:ea typeface="Mapo한아름" panose="02000500000000000000" pitchFamily="2" charset="-127"/>
+              </a:rPr>
               <a:t>결정 트리 학습에 기초한 것으로 안정적이고 실전에 유용</a:t>
             </a:r>
-            <a:endParaRPr lang="en-US" altLang="ko-KR" dirty="0"/>
-          </a:p>
-          <a:p>
-            <a:endParaRPr lang="en-US" altLang="ko-KR" dirty="0"/>
-          </a:p>
-          <a:p>
-            <a:r>
-              <a:rPr lang="ko-KR" altLang="en-US" dirty="0" err="1"/>
+            <a:endParaRPr lang="en-US" altLang="ko-KR" dirty="0">
+              <a:latin typeface="Mapo한아름" panose="02000500000000000000" pitchFamily="2" charset="-127"/>
+              <a:ea typeface="Mapo한아름" panose="02000500000000000000" pitchFamily="2" charset="-127"/>
+            </a:endParaRPr>
+          </a:p>
+          <a:p>
+            <a:endParaRPr lang="en-US" altLang="ko-KR" dirty="0">
+              <a:latin typeface="Mapo한아름" panose="02000500000000000000" pitchFamily="2" charset="-127"/>
+              <a:ea typeface="Mapo한아름" panose="02000500000000000000" pitchFamily="2" charset="-127"/>
+            </a:endParaRPr>
+          </a:p>
+          <a:p>
+            <a:r>
+              <a:rPr lang="ko-KR" altLang="en-US" dirty="0" err="1">
+                <a:latin typeface="Mapo한아름" panose="02000500000000000000" pitchFamily="2" charset="-127"/>
+                <a:ea typeface="Mapo한아름" panose="02000500000000000000" pitchFamily="2" charset="-127"/>
+              </a:rPr>
               <a:t>그래디언트</a:t>
             </a:r>
             <a:r>
-              <a:rPr lang="ko-KR" altLang="en-US" dirty="0"/>
+              <a:rPr lang="ko-KR" altLang="en-US" dirty="0">
+                <a:latin typeface="Mapo한아름" panose="02000500000000000000" pitchFamily="2" charset="-127"/>
+                <a:ea typeface="Mapo한아름" panose="02000500000000000000" pitchFamily="2" charset="-127"/>
+              </a:rPr>
               <a:t> </a:t>
             </a:r>
             <a:r>
-              <a:rPr lang="ko-KR" altLang="en-US" dirty="0" err="1"/>
+              <a:rPr lang="ko-KR" altLang="en-US" dirty="0" err="1">
+                <a:latin typeface="Mapo한아름" panose="02000500000000000000" pitchFamily="2" charset="-127"/>
+                <a:ea typeface="Mapo한아름" panose="02000500000000000000" pitchFamily="2" charset="-127"/>
+              </a:rPr>
               <a:t>부스팅</a:t>
             </a:r>
             <a:r>
-              <a:rPr lang="ko-KR" altLang="en-US" dirty="0"/>
+              <a:rPr lang="ko-KR" altLang="en-US" dirty="0">
+                <a:latin typeface="Mapo한아름" panose="02000500000000000000" pitchFamily="2" charset="-127"/>
+                <a:ea typeface="Mapo한아름" panose="02000500000000000000" pitchFamily="2" charset="-127"/>
+              </a:rPr>
               <a:t> 머신</a:t>
             </a:r>
             <a:r>
-              <a:rPr lang="en-US" altLang="ko-KR" dirty="0"/>
+              <a:rPr lang="en-US" altLang="ko-KR" dirty="0">
+                <a:latin typeface="Mapo한아름" panose="02000500000000000000" pitchFamily="2" charset="-127"/>
+                <a:ea typeface="Mapo한아름" panose="02000500000000000000" pitchFamily="2" charset="-127"/>
+              </a:rPr>
               <a:t>(gradient boosting machine) : </a:t>
             </a:r>
             <a:r>
-              <a:rPr lang="ko-KR" altLang="en-US" dirty="0"/>
+              <a:rPr lang="ko-KR" altLang="en-US" dirty="0">
+                <a:latin typeface="Mapo한아름" panose="02000500000000000000" pitchFamily="2" charset="-127"/>
+                <a:ea typeface="Mapo한아름" panose="02000500000000000000" pitchFamily="2" charset="-127"/>
+              </a:rPr>
               <a:t>약한 예측 모델인 </a:t>
             </a:r>
             <a:r>
-              <a:rPr lang="ko-KR" altLang="en-US" dirty="0" err="1"/>
+              <a:rPr lang="ko-KR" altLang="en-US" dirty="0" err="1">
+                <a:latin typeface="Mapo한아름" panose="02000500000000000000" pitchFamily="2" charset="-127"/>
+                <a:ea typeface="Mapo한아름" panose="02000500000000000000" pitchFamily="2" charset="-127"/>
+              </a:rPr>
               <a:t>결정트리를</a:t>
             </a:r>
             <a:r>
-              <a:rPr lang="ko-KR" altLang="en-US" dirty="0"/>
+              <a:rPr lang="ko-KR" altLang="en-US" dirty="0">
+                <a:latin typeface="Mapo한아름" panose="02000500000000000000" pitchFamily="2" charset="-127"/>
+                <a:ea typeface="Mapo한아름" panose="02000500000000000000" pitchFamily="2" charset="-127"/>
+              </a:rPr>
               <a:t> 앙상블 하는 것을 기반</a:t>
             </a:r>
-            <a:endParaRPr lang="en-US" altLang="ko-KR" dirty="0"/>
-          </a:p>
-          <a:p>
-            <a:endParaRPr lang="en-US" altLang="ko-KR" dirty="0"/>
-          </a:p>
-          <a:p>
-            <a:r>
-              <a:rPr lang="ko-KR" altLang="en-US" dirty="0"/>
+            <a:endParaRPr lang="en-US" altLang="ko-KR" dirty="0">
+              <a:latin typeface="Mapo한아름" panose="02000500000000000000" pitchFamily="2" charset="-127"/>
+              <a:ea typeface="Mapo한아름" panose="02000500000000000000" pitchFamily="2" charset="-127"/>
+            </a:endParaRPr>
+          </a:p>
+          <a:p>
+            <a:endParaRPr lang="en-US" altLang="ko-KR" dirty="0">
+              <a:latin typeface="Mapo한아름" panose="02000500000000000000" pitchFamily="2" charset="-127"/>
+              <a:ea typeface="Mapo한아름" panose="02000500000000000000" pitchFamily="2" charset="-127"/>
+            </a:endParaRPr>
+          </a:p>
+          <a:p>
+            <a:r>
+              <a:rPr lang="ko-KR" altLang="en-US" dirty="0">
+                <a:latin typeface="Mapo한아름" panose="02000500000000000000" pitchFamily="2" charset="-127"/>
+                <a:ea typeface="Mapo한아름" panose="02000500000000000000" pitchFamily="2" charset="-127"/>
+              </a:rPr>
               <a:t>이전 모델에서 놓친 데이터 포인트를 보완하는 새로운 모델을 반복적으로 훈련함으로써 머신 러닝 모델을 향상하는 방법인 </a:t>
             </a:r>
             <a:r>
-              <a:rPr lang="ko-KR" altLang="en-US" dirty="0" err="1"/>
+              <a:rPr lang="ko-KR" altLang="en-US" dirty="0" err="1">
+                <a:latin typeface="Mapo한아름" panose="02000500000000000000" pitchFamily="2" charset="-127"/>
+                <a:ea typeface="Mapo한아름" panose="02000500000000000000" pitchFamily="2" charset="-127"/>
+              </a:rPr>
               <a:t>그래디언트</a:t>
             </a:r>
             <a:r>
-              <a:rPr lang="ko-KR" altLang="en-US" dirty="0"/>
+              <a:rPr lang="ko-KR" altLang="en-US" dirty="0">
+                <a:latin typeface="Mapo한아름" panose="02000500000000000000" pitchFamily="2" charset="-127"/>
+                <a:ea typeface="Mapo한아름" panose="02000500000000000000" pitchFamily="2" charset="-127"/>
+              </a:rPr>
               <a:t> </a:t>
             </a:r>
             <a:r>
-              <a:rPr lang="ko-KR" altLang="en-US" dirty="0" err="1"/>
+              <a:rPr lang="ko-KR" altLang="en-US" dirty="0" err="1">
+                <a:latin typeface="Mapo한아름" panose="02000500000000000000" pitchFamily="2" charset="-127"/>
+                <a:ea typeface="Mapo한아름" panose="02000500000000000000" pitchFamily="2" charset="-127"/>
+              </a:rPr>
               <a:t>부스팅을</a:t>
             </a:r>
             <a:r>
-              <a:rPr lang="ko-KR" altLang="en-US" dirty="0"/>
+              <a:rPr lang="ko-KR" altLang="en-US" dirty="0">
+                <a:latin typeface="Mapo한아름" panose="02000500000000000000" pitchFamily="2" charset="-127"/>
+                <a:ea typeface="Mapo한아름" panose="02000500000000000000" pitchFamily="2" charset="-127"/>
+              </a:rPr>
               <a:t> 사용</a:t>
             </a:r>
-            <a:endParaRPr lang="en-US" altLang="ko-KR" dirty="0"/>
-          </a:p>
-          <a:p>
-            <a:endParaRPr lang="ko-KR" altLang="en-US" dirty="0"/>
+            <a:endParaRPr lang="en-US" altLang="ko-KR" dirty="0">
+              <a:latin typeface="Mapo한아름" panose="02000500000000000000" pitchFamily="2" charset="-127"/>
+              <a:ea typeface="Mapo한아름" panose="02000500000000000000" pitchFamily="2" charset="-127"/>
+            </a:endParaRPr>
+          </a:p>
+          <a:p>
+            <a:endParaRPr lang="ko-KR" altLang="en-US" dirty="0">
+              <a:latin typeface="Mapo한아름" panose="02000500000000000000" pitchFamily="2" charset="-127"/>
+              <a:ea typeface="Mapo한아름" panose="02000500000000000000" pitchFamily="2" charset="-127"/>
+            </a:endParaRPr>
           </a:p>
         </p:txBody>
       </p:sp>
@@ -5862,7 +6153,7 @@
         <p:spPr>
           <a:xfrm>
             <a:off x="875104" y="101916"/>
-            <a:ext cx="3313728" cy="646331"/>
+            <a:ext cx="3366627" cy="646331"/>
           </a:xfrm>
           <a:prstGeom prst="rect">
             <a:avLst/>
@@ -5880,6 +6171,8 @@
                 <a:solidFill>
                   <a:schemeClr val="bg1"/>
                 </a:solidFill>
+                <a:latin typeface="Mapo한아름" panose="02000500000000000000" pitchFamily="2" charset="-127"/>
+                <a:ea typeface="Mapo한아름" panose="02000500000000000000" pitchFamily="2" charset="-127"/>
               </a:rPr>
               <a:t>제목을 입력하세요</a:t>
             </a:r>
@@ -5901,7 +6194,7 @@
         <p:spPr>
           <a:xfrm>
             <a:off x="132080" y="117305"/>
-            <a:ext cx="743024" cy="307777"/>
+            <a:ext cx="808235" cy="307777"/>
           </a:xfrm>
           <a:prstGeom prst="rect">
             <a:avLst/>
@@ -5919,6 +6212,8 @@
                 <a:solidFill>
                   <a:schemeClr val="bg1"/>
                 </a:solidFill>
+                <a:latin typeface="Mapo한아름" panose="02000500000000000000" pitchFamily="2" charset="-127"/>
+                <a:ea typeface="Mapo한아름" panose="02000500000000000000" pitchFamily="2" charset="-127"/>
               </a:rPr>
               <a:t>Part 1, </a:t>
             </a:r>
@@ -5926,6 +6221,8 @@
               <a:solidFill>
                 <a:schemeClr val="bg1"/>
               </a:solidFill>
+              <a:latin typeface="Mapo한아름" panose="02000500000000000000" pitchFamily="2" charset="-127"/>
+              <a:ea typeface="Mapo한아름" panose="02000500000000000000" pitchFamily="2" charset="-127"/>
             </a:endParaRPr>
           </a:p>
         </p:txBody>
@@ -5945,7 +6242,7 @@
         <p:spPr>
           <a:xfrm>
             <a:off x="875104" y="676096"/>
-            <a:ext cx="4607352" cy="261610"/>
+            <a:ext cx="5170005" cy="261610"/>
           </a:xfrm>
           <a:prstGeom prst="rect">
             <a:avLst/>
@@ -5963,7 +6260,8 @@
                 <a:solidFill>
                   <a:schemeClr val="bg1"/>
                 </a:solidFill>
-                <a:latin typeface="Arial Nova Light" panose="020B0304020202020204" pitchFamily="34" charset="0"/>
+                <a:latin typeface="Mapo한아름" panose="02000500000000000000" pitchFamily="2" charset="-127"/>
+                <a:ea typeface="Mapo한아름" panose="02000500000000000000" pitchFamily="2" charset="-127"/>
               </a:rPr>
               <a:t>Lorem Ipsum is simply dummy text of the printing and typesetting industry</a:t>
             </a:r>
@@ -5971,7 +6269,8 @@
               <a:solidFill>
                 <a:schemeClr val="bg1"/>
               </a:solidFill>
-              <a:latin typeface="Arial Nova Light" panose="020B0304020202020204" pitchFamily="34" charset="0"/>
+              <a:latin typeface="Mapo한아름" panose="02000500000000000000" pitchFamily="2" charset="-127"/>
+              <a:ea typeface="Mapo한아름" panose="02000500000000000000" pitchFamily="2" charset="-127"/>
             </a:endParaRPr>
           </a:p>
         </p:txBody>
@@ -5991,7 +6290,7 @@
         <p:spPr>
           <a:xfrm>
             <a:off x="339536" y="1264666"/>
-            <a:ext cx="4676280" cy="461665"/>
+            <a:ext cx="4206601" cy="461665"/>
           </a:xfrm>
           <a:prstGeom prst="rect">
             <a:avLst/>
@@ -6009,7 +6308,8 @@
                 <a:solidFill>
                   <a:srgbClr val="04396C"/>
                 </a:solidFill>
-                <a:latin typeface="+mn-ea"/>
+                <a:latin typeface="Mapo한아름" panose="02000500000000000000" pitchFamily="2" charset="-127"/>
+                <a:ea typeface="Mapo한아름" panose="02000500000000000000" pitchFamily="2" charset="-127"/>
               </a:rPr>
               <a:t>딥러닝의</a:t>
             </a:r>
@@ -6018,7 +6318,8 @@
                 <a:solidFill>
                   <a:srgbClr val="04396C"/>
                 </a:solidFill>
-                <a:latin typeface="+mn-ea"/>
+                <a:latin typeface="Mapo한아름" panose="02000500000000000000" pitchFamily="2" charset="-127"/>
+                <a:ea typeface="Mapo한아름" panose="02000500000000000000" pitchFamily="2" charset="-127"/>
               </a:rPr>
               <a:t> 특징</a:t>
             </a:r>
@@ -6027,7 +6328,8 @@
                 <a:solidFill>
                   <a:srgbClr val="04396C"/>
                 </a:solidFill>
-                <a:latin typeface="+mn-ea"/>
+                <a:latin typeface="Mapo한아름" panose="02000500000000000000" pitchFamily="2" charset="-127"/>
+                <a:ea typeface="Mapo한아름" panose="02000500000000000000" pitchFamily="2" charset="-127"/>
               </a:rPr>
               <a:t>,  </a:t>
             </a:r>
@@ -6036,7 +6338,8 @@
                 <a:solidFill>
                   <a:srgbClr val="04396C"/>
                 </a:solidFill>
-                <a:latin typeface="+mn-ea"/>
+                <a:latin typeface="Mapo한아름" panose="02000500000000000000" pitchFamily="2" charset="-127"/>
+                <a:ea typeface="Mapo한아름" panose="02000500000000000000" pitchFamily="2" charset="-127"/>
               </a:rPr>
               <a:t>머신 러닝의 최근 동향</a:t>
             </a:r>
@@ -6044,7 +6347,8 @@
               <a:solidFill>
                 <a:srgbClr val="04396C"/>
               </a:solidFill>
-              <a:latin typeface="+mn-ea"/>
+              <a:latin typeface="Mapo한아름" panose="02000500000000000000" pitchFamily="2" charset="-127"/>
+              <a:ea typeface="Mapo한아름" panose="02000500000000000000" pitchFamily="2" charset="-127"/>
             </a:endParaRPr>
           </a:p>
         </p:txBody>
@@ -6097,7 +6401,10 @@
           <a:lstStyle/>
           <a:p>
             <a:pPr algn="ctr"/>
-            <a:endParaRPr lang="ko-KR" altLang="en-US"/>
+            <a:endParaRPr lang="ko-KR" altLang="en-US">
+              <a:latin typeface="Mapo한아름" panose="02000500000000000000" pitchFamily="2" charset="-127"/>
+              <a:ea typeface="Mapo한아름" panose="02000500000000000000" pitchFamily="2" charset="-127"/>
+            </a:endParaRPr>
           </a:p>
         </p:txBody>
       </p:sp>
@@ -6143,7 +6450,10 @@
           <a:lstStyle/>
           <a:p>
             <a:pPr algn="ctr"/>
-            <a:endParaRPr lang="ko-KR" altLang="en-US"/>
+            <a:endParaRPr lang="ko-KR" altLang="en-US">
+              <a:latin typeface="Mapo한아름" panose="02000500000000000000" pitchFamily="2" charset="-127"/>
+              <a:ea typeface="Mapo한아름" panose="02000500000000000000" pitchFamily="2" charset="-127"/>
+            </a:endParaRPr>
           </a:p>
         </p:txBody>
       </p:sp>
@@ -6162,7 +6472,7 @@
         <p:spPr>
           <a:xfrm>
             <a:off x="687674" y="215314"/>
-            <a:ext cx="7212231" cy="646331"/>
+            <a:ext cx="6535764" cy="646331"/>
           </a:xfrm>
           <a:prstGeom prst="rect">
             <a:avLst/>
@@ -6180,6 +6490,8 @@
                 <a:solidFill>
                   <a:schemeClr val="bg1"/>
                 </a:solidFill>
+                <a:latin typeface="Mapo한아름" panose="02000500000000000000" pitchFamily="2" charset="-127"/>
+                <a:ea typeface="Mapo한아름" panose="02000500000000000000" pitchFamily="2" charset="-127"/>
               </a:rPr>
               <a:t>딥러닝 이전</a:t>
             </a:r>
@@ -6188,6 +6500,8 @@
                 <a:solidFill>
                   <a:schemeClr val="bg1"/>
                 </a:solidFill>
+                <a:latin typeface="Mapo한아름" panose="02000500000000000000" pitchFamily="2" charset="-127"/>
+                <a:ea typeface="Mapo한아름" panose="02000500000000000000" pitchFamily="2" charset="-127"/>
               </a:rPr>
               <a:t>: </a:t>
             </a:r>
@@ -6196,6 +6510,8 @@
                 <a:solidFill>
                   <a:schemeClr val="bg1"/>
                 </a:solidFill>
+                <a:latin typeface="Mapo한아름" panose="02000500000000000000" pitchFamily="2" charset="-127"/>
+                <a:ea typeface="Mapo한아름" panose="02000500000000000000" pitchFamily="2" charset="-127"/>
               </a:rPr>
               <a:t>머신 러닝의 간략한 역사</a:t>
             </a:r>
@@ -6217,7 +6533,7 @@
         <p:spPr>
           <a:xfrm>
             <a:off x="132080" y="117305"/>
-            <a:ext cx="423514" cy="307777"/>
+            <a:ext cx="460382" cy="307777"/>
           </a:xfrm>
           <a:prstGeom prst="rect">
             <a:avLst/>
@@ -6235,6 +6551,8 @@
                 <a:solidFill>
                   <a:schemeClr val="bg1"/>
                 </a:solidFill>
+                <a:latin typeface="Mapo한아름" panose="02000500000000000000" pitchFamily="2" charset="-127"/>
+                <a:ea typeface="Mapo한아름" panose="02000500000000000000" pitchFamily="2" charset="-127"/>
               </a:rPr>
               <a:t>1.2</a:t>
             </a:r>
@@ -6242,6 +6560,8 @@
               <a:solidFill>
                 <a:schemeClr val="bg1"/>
               </a:solidFill>
+              <a:latin typeface="Mapo한아름" panose="02000500000000000000" pitchFamily="2" charset="-127"/>
+              <a:ea typeface="Mapo한아름" panose="02000500000000000000" pitchFamily="2" charset="-127"/>
             </a:endParaRPr>
           </a:p>
         </p:txBody>
@@ -6275,54 +6595,96 @@
           <a:lstStyle/>
           <a:p>
             <a:r>
-              <a:rPr lang="ko-KR" altLang="en-US" dirty="0"/>
+              <a:rPr lang="ko-KR" altLang="en-US" dirty="0">
+                <a:latin typeface="Mapo한아름" panose="02000500000000000000" pitchFamily="2" charset="-127"/>
+                <a:ea typeface="Mapo한아름" panose="02000500000000000000" pitchFamily="2" charset="-127"/>
+              </a:rPr>
               <a:t>머신 러닝에서 가장 중요한 단계인 특성 공학을 자동화 한다는 장점</a:t>
             </a:r>
-            <a:endParaRPr lang="en-US" altLang="ko-KR" dirty="0"/>
-          </a:p>
-          <a:p>
-            <a:r>
-              <a:rPr lang="ko-KR" altLang="en-US" dirty="0"/>
+            <a:endParaRPr lang="en-US" altLang="ko-KR" dirty="0">
+              <a:latin typeface="Mapo한아름" panose="02000500000000000000" pitchFamily="2" charset="-127"/>
+              <a:ea typeface="Mapo한아름" panose="02000500000000000000" pitchFamily="2" charset="-127"/>
+            </a:endParaRPr>
+          </a:p>
+          <a:p>
+            <a:r>
+              <a:rPr lang="ko-KR" altLang="en-US" dirty="0">
+                <a:latin typeface="Mapo한아름" panose="02000500000000000000" pitchFamily="2" charset="-127"/>
+                <a:ea typeface="Mapo한아름" panose="02000500000000000000" pitchFamily="2" charset="-127"/>
+              </a:rPr>
               <a:t>특성공학</a:t>
             </a:r>
             <a:r>
-              <a:rPr lang="en-US" altLang="ko-KR" dirty="0"/>
+              <a:rPr lang="en-US" altLang="ko-KR" dirty="0">
+                <a:latin typeface="Mapo한아름" panose="02000500000000000000" pitchFamily="2" charset="-127"/>
+                <a:ea typeface="Mapo한아름" panose="02000500000000000000" pitchFamily="2" charset="-127"/>
+              </a:rPr>
               <a:t>(feature engineering) :</a:t>
             </a:r>
             <a:r>
-              <a:rPr lang="ko-KR" altLang="en-US" dirty="0"/>
+              <a:rPr lang="ko-KR" altLang="en-US" dirty="0">
+                <a:latin typeface="Mapo한아름" panose="02000500000000000000" pitchFamily="2" charset="-127"/>
+                <a:ea typeface="Mapo한아름" panose="02000500000000000000" pitchFamily="2" charset="-127"/>
+              </a:rPr>
               <a:t> 초기 학습을 위한 데이터의 변환</a:t>
             </a:r>
             <a:r>
-              <a:rPr lang="en-US" altLang="ko-KR" dirty="0"/>
+              <a:rPr lang="en-US" altLang="ko-KR" dirty="0">
+                <a:latin typeface="Mapo한아름" panose="02000500000000000000" pitchFamily="2" charset="-127"/>
+                <a:ea typeface="Mapo한아름" panose="02000500000000000000" pitchFamily="2" charset="-127"/>
+              </a:rPr>
               <a:t>, </a:t>
             </a:r>
             <a:r>
-              <a:rPr lang="ko-KR" altLang="en-US" dirty="0" err="1"/>
+              <a:rPr lang="ko-KR" altLang="en-US" dirty="0" err="1">
+                <a:latin typeface="Mapo한아름" panose="02000500000000000000" pitchFamily="2" charset="-127"/>
+                <a:ea typeface="Mapo한아름" panose="02000500000000000000" pitchFamily="2" charset="-127"/>
+              </a:rPr>
               <a:t>전처리라고도</a:t>
             </a:r>
             <a:r>
-              <a:rPr lang="ko-KR" altLang="en-US" dirty="0"/>
+              <a:rPr lang="ko-KR" altLang="en-US" dirty="0">
+                <a:latin typeface="Mapo한아름" panose="02000500000000000000" pitchFamily="2" charset="-127"/>
+                <a:ea typeface="Mapo한아름" panose="02000500000000000000" pitchFamily="2" charset="-127"/>
+              </a:rPr>
               <a:t> 할 수 있음</a:t>
             </a:r>
-            <a:endParaRPr lang="en-US" altLang="ko-KR" dirty="0"/>
-          </a:p>
-          <a:p>
-            <a:endParaRPr lang="en-US" altLang="ko-KR" dirty="0"/>
-          </a:p>
-          <a:p>
-            <a:r>
-              <a:rPr lang="ko-KR" altLang="en-US" dirty="0" err="1"/>
+            <a:endParaRPr lang="en-US" altLang="ko-KR" dirty="0">
+              <a:latin typeface="Mapo한아름" panose="02000500000000000000" pitchFamily="2" charset="-127"/>
+              <a:ea typeface="Mapo한아름" panose="02000500000000000000" pitchFamily="2" charset="-127"/>
+            </a:endParaRPr>
+          </a:p>
+          <a:p>
+            <a:endParaRPr lang="en-US" altLang="ko-KR" dirty="0">
+              <a:latin typeface="Mapo한아름" panose="02000500000000000000" pitchFamily="2" charset="-127"/>
+              <a:ea typeface="Mapo한아름" panose="02000500000000000000" pitchFamily="2" charset="-127"/>
+            </a:endParaRPr>
+          </a:p>
+          <a:p>
+            <a:r>
+              <a:rPr lang="ko-KR" altLang="en-US" dirty="0" err="1">
+                <a:latin typeface="Mapo한아름" panose="02000500000000000000" pitchFamily="2" charset="-127"/>
+                <a:ea typeface="Mapo한아름" panose="02000500000000000000" pitchFamily="2" charset="-127"/>
+              </a:rPr>
               <a:t>딥러닝에서</a:t>
             </a:r>
             <a:r>
-              <a:rPr lang="ko-KR" altLang="en-US" dirty="0"/>
+              <a:rPr lang="ko-KR" altLang="en-US" dirty="0">
+                <a:latin typeface="Mapo한아름" panose="02000500000000000000" pitchFamily="2" charset="-127"/>
+                <a:ea typeface="Mapo한아름" panose="02000500000000000000" pitchFamily="2" charset="-127"/>
+              </a:rPr>
               <a:t> 데이터를 학습하는 방법의 특징</a:t>
             </a:r>
-            <a:endParaRPr lang="en-US" altLang="ko-KR" dirty="0"/>
-          </a:p>
-          <a:p>
-            <a:endParaRPr lang="en-US" altLang="ko-KR" dirty="0"/>
+            <a:endParaRPr lang="en-US" altLang="ko-KR" dirty="0">
+              <a:latin typeface="Mapo한아름" panose="02000500000000000000" pitchFamily="2" charset="-127"/>
+              <a:ea typeface="Mapo한아름" panose="02000500000000000000" pitchFamily="2" charset="-127"/>
+            </a:endParaRPr>
+          </a:p>
+          <a:p>
+            <a:endParaRPr lang="en-US" altLang="ko-KR" dirty="0">
+              <a:latin typeface="Mapo한아름" panose="02000500000000000000" pitchFamily="2" charset="-127"/>
+              <a:ea typeface="Mapo한아름" panose="02000500000000000000" pitchFamily="2" charset="-127"/>
+            </a:endParaRPr>
           </a:p>
           <a:p>
             <a:pPr marL="285750" indent="-285750">
@@ -6330,15 +6692,24 @@
               <a:buChar char="•"/>
             </a:pPr>
             <a:r>
-              <a:rPr lang="ko-KR" altLang="en-US" dirty="0"/>
+              <a:rPr lang="ko-KR" altLang="en-US" dirty="0">
+                <a:latin typeface="Mapo한아름" panose="02000500000000000000" pitchFamily="2" charset="-127"/>
+                <a:ea typeface="Mapo한아름" panose="02000500000000000000" pitchFamily="2" charset="-127"/>
+              </a:rPr>
               <a:t>층을 거치며</a:t>
             </a:r>
             <a:r>
-              <a:rPr lang="en-US" altLang="ko-KR" dirty="0"/>
+              <a:rPr lang="en-US" altLang="ko-KR" dirty="0">
+                <a:latin typeface="Mapo한아름" panose="02000500000000000000" pitchFamily="2" charset="-127"/>
+                <a:ea typeface="Mapo한아름" panose="02000500000000000000" pitchFamily="2" charset="-127"/>
+              </a:rPr>
               <a:t>, </a:t>
             </a:r>
             <a:r>
-              <a:rPr lang="ko-KR" altLang="en-US" dirty="0"/>
+              <a:rPr lang="ko-KR" altLang="en-US" dirty="0">
+                <a:latin typeface="Mapo한아름" panose="02000500000000000000" pitchFamily="2" charset="-127"/>
+                <a:ea typeface="Mapo한아름" panose="02000500000000000000" pitchFamily="2" charset="-127"/>
+              </a:rPr>
               <a:t>점진적으로 복잡한 표현이 만들어짐</a:t>
             </a:r>
           </a:p>
@@ -6348,17 +6719,26 @@
               <a:buChar char="•"/>
             </a:pPr>
             <a:r>
-              <a:rPr lang="ko-KR" altLang="en-US" dirty="0"/>
+              <a:rPr lang="ko-KR" altLang="en-US" dirty="0">
+                <a:latin typeface="Mapo한아름" panose="02000500000000000000" pitchFamily="2" charset="-127"/>
+                <a:ea typeface="Mapo한아름" panose="02000500000000000000" pitchFamily="2" charset="-127"/>
+              </a:rPr>
               <a:t>점진적인 중간 표현이 공동으로 학습</a:t>
             </a:r>
-            <a:endParaRPr lang="en-US" altLang="ko-KR" dirty="0"/>
+            <a:endParaRPr lang="en-US" altLang="ko-KR" dirty="0">
+              <a:latin typeface="Mapo한아름" panose="02000500000000000000" pitchFamily="2" charset="-127"/>
+              <a:ea typeface="Mapo한아름" panose="02000500000000000000" pitchFamily="2" charset="-127"/>
+            </a:endParaRPr>
           </a:p>
           <a:p>
             <a:pPr marL="285750" indent="-285750">
               <a:buFont typeface="Arial" panose="020B0604020202020204" pitchFamily="34" charset="0"/>
               <a:buChar char="•"/>
             </a:pPr>
-            <a:endParaRPr lang="ko-KR" altLang="en-US" dirty="0"/>
+            <a:endParaRPr lang="ko-KR" altLang="en-US" dirty="0">
+              <a:latin typeface="Mapo한아름" panose="02000500000000000000" pitchFamily="2" charset="-127"/>
+              <a:ea typeface="Mapo한아름" panose="02000500000000000000" pitchFamily="2" charset="-127"/>
+            </a:endParaRPr>
           </a:p>
         </p:txBody>
       </p:sp>
@@ -6377,7 +6757,7 @@
         <p:spPr>
           <a:xfrm>
             <a:off x="339536" y="4876800"/>
-            <a:ext cx="6609502" cy="923330"/>
+            <a:ext cx="6042039" cy="923330"/>
           </a:xfrm>
           <a:prstGeom prst="rect">
             <a:avLst/>
@@ -6391,14 +6771,23 @@
           <a:lstStyle/>
           <a:p>
             <a:r>
-              <a:rPr lang="ko-KR" altLang="en-US" dirty="0" err="1"/>
+              <a:rPr lang="ko-KR" altLang="en-US" dirty="0" err="1">
+                <a:latin typeface="Mapo한아름" panose="02000500000000000000" pitchFamily="2" charset="-127"/>
+                <a:ea typeface="Mapo한아름" panose="02000500000000000000" pitchFamily="2" charset="-127"/>
+              </a:rPr>
               <a:t>머신러닝을</a:t>
             </a:r>
             <a:r>
-              <a:rPr lang="ko-KR" altLang="en-US" dirty="0"/>
+              <a:rPr lang="ko-KR" altLang="en-US" dirty="0">
+                <a:latin typeface="Mapo한아름" panose="02000500000000000000" pitchFamily="2" charset="-127"/>
+                <a:ea typeface="Mapo한아름" panose="02000500000000000000" pitchFamily="2" charset="-127"/>
+              </a:rPr>
               <a:t> 성공적으로 적용하기 위해 알아야 할 두 가지 기술</a:t>
             </a:r>
-            <a:endParaRPr lang="en-US" altLang="ko-KR" dirty="0"/>
+            <a:endParaRPr lang="en-US" altLang="ko-KR" dirty="0">
+              <a:latin typeface="Mapo한아름" panose="02000500000000000000" pitchFamily="2" charset="-127"/>
+              <a:ea typeface="Mapo한아름" panose="02000500000000000000" pitchFamily="2" charset="-127"/>
+            </a:endParaRPr>
           </a:p>
           <a:p>
             <a:pPr marL="285750" indent="-285750">
@@ -6406,34 +6795,58 @@
               <a:buChar char="•"/>
             </a:pPr>
             <a:r>
-              <a:rPr lang="ko-KR" altLang="en-US" dirty="0"/>
+              <a:rPr lang="ko-KR" altLang="en-US" dirty="0">
+                <a:latin typeface="Mapo한아름" panose="02000500000000000000" pitchFamily="2" charset="-127"/>
+                <a:ea typeface="Mapo한아름" panose="02000500000000000000" pitchFamily="2" charset="-127"/>
+              </a:rPr>
               <a:t>얕은 학습 문제를 위한 </a:t>
             </a:r>
             <a:r>
-              <a:rPr lang="ko-KR" altLang="en-US" dirty="0" err="1"/>
+              <a:rPr lang="ko-KR" altLang="en-US" dirty="0" err="1">
+                <a:latin typeface="Mapo한아름" panose="02000500000000000000" pitchFamily="2" charset="-127"/>
+                <a:ea typeface="Mapo한아름" panose="02000500000000000000" pitchFamily="2" charset="-127"/>
+              </a:rPr>
               <a:t>그래디언트</a:t>
             </a:r>
             <a:r>
-              <a:rPr lang="ko-KR" altLang="en-US" dirty="0"/>
+              <a:rPr lang="ko-KR" altLang="en-US" dirty="0">
+                <a:latin typeface="Mapo한아름" panose="02000500000000000000" pitchFamily="2" charset="-127"/>
+                <a:ea typeface="Mapo한아름" panose="02000500000000000000" pitchFamily="2" charset="-127"/>
+              </a:rPr>
               <a:t> </a:t>
             </a:r>
             <a:r>
-              <a:rPr lang="ko-KR" altLang="en-US" dirty="0" err="1"/>
+              <a:rPr lang="ko-KR" altLang="en-US" dirty="0" err="1">
+                <a:latin typeface="Mapo한아름" panose="02000500000000000000" pitchFamily="2" charset="-127"/>
+                <a:ea typeface="Mapo한아름" panose="02000500000000000000" pitchFamily="2" charset="-127"/>
+              </a:rPr>
               <a:t>부스팅</a:t>
             </a:r>
             <a:r>
-              <a:rPr lang="ko-KR" altLang="en-US" dirty="0"/>
+              <a:rPr lang="ko-KR" altLang="en-US" dirty="0">
+                <a:latin typeface="Mapo한아름" panose="02000500000000000000" pitchFamily="2" charset="-127"/>
+                <a:ea typeface="Mapo한아름" panose="02000500000000000000" pitchFamily="2" charset="-127"/>
+              </a:rPr>
               <a:t> 머신 </a:t>
             </a:r>
             <a:r>
-              <a:rPr lang="en-US" altLang="ko-KR" dirty="0"/>
+              <a:rPr lang="en-US" altLang="ko-KR" dirty="0">
+                <a:latin typeface="Mapo한아름" panose="02000500000000000000" pitchFamily="2" charset="-127"/>
+                <a:ea typeface="Mapo한아름" panose="02000500000000000000" pitchFamily="2" charset="-127"/>
+              </a:rPr>
               <a:t>- </a:t>
             </a:r>
             <a:r>
-              <a:rPr lang="en-US" altLang="ko-KR" dirty="0" err="1"/>
+              <a:rPr lang="en-US" altLang="ko-KR" dirty="0" err="1">
+                <a:latin typeface="Mapo한아름" panose="02000500000000000000" pitchFamily="2" charset="-127"/>
+                <a:ea typeface="Mapo한아름" panose="02000500000000000000" pitchFamily="2" charset="-127"/>
+              </a:rPr>
               <a:t>XGBoost</a:t>
             </a:r>
-            <a:endParaRPr lang="en-US" altLang="ko-KR" dirty="0"/>
+            <a:endParaRPr lang="en-US" altLang="ko-KR" dirty="0">
+              <a:latin typeface="Mapo한아름" panose="02000500000000000000" pitchFamily="2" charset="-127"/>
+              <a:ea typeface="Mapo한아름" panose="02000500000000000000" pitchFamily="2" charset="-127"/>
+            </a:endParaRPr>
           </a:p>
           <a:p>
             <a:pPr marL="285750" indent="-285750">
@@ -6441,18 +6854,30 @@
               <a:buChar char="•"/>
             </a:pPr>
             <a:r>
-              <a:rPr lang="ko-KR" altLang="en-US" dirty="0"/>
+              <a:rPr lang="ko-KR" altLang="en-US" dirty="0">
+                <a:latin typeface="Mapo한아름" panose="02000500000000000000" pitchFamily="2" charset="-127"/>
+                <a:ea typeface="Mapo한아름" panose="02000500000000000000" pitchFamily="2" charset="-127"/>
+              </a:rPr>
               <a:t>지각에 관한 문제를 위한 딥러닝 </a:t>
             </a:r>
             <a:r>
-              <a:rPr lang="en-US" altLang="ko-KR" dirty="0"/>
+              <a:rPr lang="en-US" altLang="ko-KR" dirty="0">
+                <a:latin typeface="Mapo한아름" panose="02000500000000000000" pitchFamily="2" charset="-127"/>
+                <a:ea typeface="Mapo한아름" panose="02000500000000000000" pitchFamily="2" charset="-127"/>
+              </a:rPr>
               <a:t>- </a:t>
             </a:r>
             <a:r>
-              <a:rPr lang="ko-KR" altLang="en-US" dirty="0" err="1"/>
+              <a:rPr lang="ko-KR" altLang="en-US" dirty="0" err="1">
+                <a:latin typeface="Mapo한아름" panose="02000500000000000000" pitchFamily="2" charset="-127"/>
+                <a:ea typeface="Mapo한아름" panose="02000500000000000000" pitchFamily="2" charset="-127"/>
+              </a:rPr>
               <a:t>케라스</a:t>
             </a:r>
-            <a:endParaRPr lang="ko-KR" altLang="en-US" dirty="0"/>
+            <a:endParaRPr lang="ko-KR" altLang="en-US" dirty="0">
+              <a:latin typeface="Mapo한아름" panose="02000500000000000000" pitchFamily="2" charset="-127"/>
+              <a:ea typeface="Mapo한아름" panose="02000500000000000000" pitchFamily="2" charset="-127"/>
+            </a:endParaRPr>
           </a:p>
         </p:txBody>
       </p:sp>
@@ -6959,7 +7384,10 @@
           <a:lstStyle/>
           <a:p>
             <a:pPr algn="ctr"/>
-            <a:endParaRPr lang="ko-KR" altLang="en-US"/>
+            <a:endParaRPr lang="ko-KR" altLang="en-US">
+              <a:latin typeface="Mapo한아름" panose="02000500000000000000" pitchFamily="2" charset="-127"/>
+              <a:ea typeface="Mapo한아름" panose="02000500000000000000" pitchFamily="2" charset="-127"/>
+            </a:endParaRPr>
           </a:p>
         </p:txBody>
       </p:sp>
@@ -6978,7 +7406,7 @@
         <p:spPr>
           <a:xfrm>
             <a:off x="1390270" y="2856311"/>
-            <a:ext cx="3456395" cy="1200329"/>
+            <a:ext cx="3171061" cy="1200329"/>
           </a:xfrm>
           <a:prstGeom prst="rect">
             <a:avLst/>
@@ -6996,6 +7424,8 @@
                 <a:solidFill>
                   <a:schemeClr val="bg1"/>
                 </a:solidFill>
+                <a:latin typeface="Mapo한아름" panose="02000500000000000000" pitchFamily="2" charset="-127"/>
+                <a:ea typeface="Mapo한아름" panose="02000500000000000000" pitchFamily="2" charset="-127"/>
               </a:rPr>
               <a:t>인공지능과 </a:t>
             </a:r>
@@ -7003,6 +7433,8 @@
               <a:solidFill>
                 <a:schemeClr val="bg1"/>
               </a:solidFill>
+              <a:latin typeface="Mapo한아름" panose="02000500000000000000" pitchFamily="2" charset="-127"/>
+              <a:ea typeface="Mapo한아름" panose="02000500000000000000" pitchFamily="2" charset="-127"/>
             </a:endParaRPr>
           </a:p>
           <a:p>
@@ -7011,6 +7443,8 @@
                 <a:solidFill>
                   <a:schemeClr val="bg1"/>
                 </a:solidFill>
+                <a:latin typeface="Mapo한아름" panose="02000500000000000000" pitchFamily="2" charset="-127"/>
+                <a:ea typeface="Mapo한아름" panose="02000500000000000000" pitchFamily="2" charset="-127"/>
               </a:rPr>
               <a:t>머신 러닝</a:t>
             </a:r>
@@ -7019,6 +7453,8 @@
                 <a:solidFill>
                   <a:schemeClr val="bg1"/>
                 </a:solidFill>
+                <a:latin typeface="Mapo한아름" panose="02000500000000000000" pitchFamily="2" charset="-127"/>
+                <a:ea typeface="Mapo한아름" panose="02000500000000000000" pitchFamily="2" charset="-127"/>
               </a:rPr>
               <a:t>, </a:t>
             </a:r>
@@ -7027,6 +7463,8 @@
                 <a:solidFill>
                   <a:schemeClr val="bg1"/>
                 </a:solidFill>
+                <a:latin typeface="Mapo한아름" panose="02000500000000000000" pitchFamily="2" charset="-127"/>
+                <a:ea typeface="Mapo한아름" panose="02000500000000000000" pitchFamily="2" charset="-127"/>
               </a:rPr>
               <a:t>딥러닝</a:t>
             </a:r>
@@ -7048,7 +7486,7 @@
         <p:spPr>
           <a:xfrm>
             <a:off x="904240" y="3121223"/>
-            <a:ext cx="486030" cy="307777"/>
+            <a:ext cx="510076" cy="307777"/>
           </a:xfrm>
           <a:prstGeom prst="rect">
             <a:avLst/>
@@ -7066,6 +7504,8 @@
                 <a:solidFill>
                   <a:schemeClr val="bg1"/>
                 </a:solidFill>
+                <a:latin typeface="Mapo한아름" panose="02000500000000000000" pitchFamily="2" charset="-127"/>
+                <a:ea typeface="Mapo한아름" panose="02000500000000000000" pitchFamily="2" charset="-127"/>
               </a:rPr>
               <a:t>1.1 </a:t>
             </a:r>
@@ -7073,6 +7513,8 @@
               <a:solidFill>
                 <a:schemeClr val="bg1"/>
               </a:solidFill>
+              <a:latin typeface="Mapo한아름" panose="02000500000000000000" pitchFamily="2" charset="-127"/>
+              <a:ea typeface="Mapo한아름" panose="02000500000000000000" pitchFamily="2" charset="-127"/>
             </a:endParaRPr>
           </a:p>
         </p:txBody>
@@ -7220,7 +7662,7 @@
         <p:spPr>
           <a:xfrm>
             <a:off x="875104" y="101916"/>
-            <a:ext cx="3313728" cy="646331"/>
+            <a:ext cx="3366627" cy="646331"/>
           </a:xfrm>
           <a:prstGeom prst="rect">
             <a:avLst/>
@@ -7238,6 +7680,8 @@
                 <a:solidFill>
                   <a:schemeClr val="bg1"/>
                 </a:solidFill>
+                <a:latin typeface="Mapo한아름" panose="02000500000000000000" pitchFamily="2" charset="-127"/>
+                <a:ea typeface="Mapo한아름" panose="02000500000000000000" pitchFamily="2" charset="-127"/>
               </a:rPr>
               <a:t>제목을 입력하세요</a:t>
             </a:r>
@@ -7259,7 +7703,7 @@
         <p:spPr>
           <a:xfrm>
             <a:off x="132080" y="117305"/>
-            <a:ext cx="743024" cy="307777"/>
+            <a:ext cx="808235" cy="307777"/>
           </a:xfrm>
           <a:prstGeom prst="rect">
             <a:avLst/>
@@ -7277,6 +7721,8 @@
                 <a:solidFill>
                   <a:schemeClr val="bg1"/>
                 </a:solidFill>
+                <a:latin typeface="Mapo한아름" panose="02000500000000000000" pitchFamily="2" charset="-127"/>
+                <a:ea typeface="Mapo한아름" panose="02000500000000000000" pitchFamily="2" charset="-127"/>
               </a:rPr>
               <a:t>Part 1, </a:t>
             </a:r>
@@ -7284,6 +7730,8 @@
               <a:solidFill>
                 <a:schemeClr val="bg1"/>
               </a:solidFill>
+              <a:latin typeface="Mapo한아름" panose="02000500000000000000" pitchFamily="2" charset="-127"/>
+              <a:ea typeface="Mapo한아름" panose="02000500000000000000" pitchFamily="2" charset="-127"/>
             </a:endParaRPr>
           </a:p>
         </p:txBody>
@@ -7303,7 +7751,7 @@
         <p:spPr>
           <a:xfrm>
             <a:off x="875104" y="676096"/>
-            <a:ext cx="4607352" cy="261610"/>
+            <a:ext cx="5170005" cy="261610"/>
           </a:xfrm>
           <a:prstGeom prst="rect">
             <a:avLst/>
@@ -7321,7 +7769,8 @@
                 <a:solidFill>
                   <a:schemeClr val="bg1"/>
                 </a:solidFill>
-                <a:latin typeface="Arial Nova Light" panose="020B0304020202020204" pitchFamily="34" charset="0"/>
+                <a:latin typeface="Mapo한아름" panose="02000500000000000000" pitchFamily="2" charset="-127"/>
+                <a:ea typeface="Mapo한아름" panose="02000500000000000000" pitchFamily="2" charset="-127"/>
               </a:rPr>
               <a:t>Lorem Ipsum is simply dummy text of the printing and typesetting industry</a:t>
             </a:r>
@@ -7329,7 +7778,8 @@
               <a:solidFill>
                 <a:schemeClr val="bg1"/>
               </a:solidFill>
-              <a:latin typeface="Arial Nova Light" panose="020B0304020202020204" pitchFamily="34" charset="0"/>
+              <a:latin typeface="Mapo한아름" panose="02000500000000000000" pitchFamily="2" charset="-127"/>
+              <a:ea typeface="Mapo한아름" panose="02000500000000000000" pitchFamily="2" charset="-127"/>
             </a:endParaRPr>
           </a:p>
         </p:txBody>
@@ -7349,7 +7799,7 @@
         <p:spPr>
           <a:xfrm>
             <a:off x="339536" y="1264666"/>
-            <a:ext cx="3345788" cy="461665"/>
+            <a:ext cx="3087705" cy="461665"/>
           </a:xfrm>
           <a:prstGeom prst="rect">
             <a:avLst/>
@@ -7367,7 +7817,8 @@
                 <a:solidFill>
                   <a:srgbClr val="393939"/>
                 </a:solidFill>
-                <a:latin typeface="+mn-ea"/>
+                <a:latin typeface="Mapo한아름" panose="02000500000000000000" pitchFamily="2" charset="-127"/>
+                <a:ea typeface="Mapo한아름" panose="02000500000000000000" pitchFamily="2" charset="-127"/>
               </a:rPr>
               <a:t>인공지능</a:t>
             </a:r>
@@ -7376,7 +7827,8 @@
                 <a:solidFill>
                   <a:srgbClr val="393939"/>
                 </a:solidFill>
-                <a:latin typeface="+mn-ea"/>
+                <a:latin typeface="Mapo한아름" panose="02000500000000000000" pitchFamily="2" charset="-127"/>
+                <a:ea typeface="Mapo한아름" panose="02000500000000000000" pitchFamily="2" charset="-127"/>
               </a:rPr>
               <a:t>,</a:t>
             </a:r>
@@ -7385,7 +7837,8 @@
                 <a:solidFill>
                   <a:srgbClr val="393939"/>
                 </a:solidFill>
-                <a:latin typeface="+mn-ea"/>
+                <a:latin typeface="Mapo한아름" panose="02000500000000000000" pitchFamily="2" charset="-127"/>
+                <a:ea typeface="Mapo한아름" panose="02000500000000000000" pitchFamily="2" charset="-127"/>
               </a:rPr>
               <a:t> </a:t>
             </a:r>
@@ -7394,7 +7847,8 @@
                 <a:solidFill>
                   <a:srgbClr val="393939"/>
                 </a:solidFill>
-                <a:latin typeface="+mn-ea"/>
+                <a:latin typeface="Mapo한아름" panose="02000500000000000000" pitchFamily="2" charset="-127"/>
+                <a:ea typeface="Mapo한아름" panose="02000500000000000000" pitchFamily="2" charset="-127"/>
               </a:rPr>
               <a:t>머신러닝</a:t>
             </a:r>
@@ -7403,7 +7857,8 @@
                 <a:solidFill>
                   <a:srgbClr val="393939"/>
                 </a:solidFill>
-                <a:latin typeface="+mn-ea"/>
+                <a:latin typeface="Mapo한아름" panose="02000500000000000000" pitchFamily="2" charset="-127"/>
+                <a:ea typeface="Mapo한아름" panose="02000500000000000000" pitchFamily="2" charset="-127"/>
               </a:rPr>
               <a:t>, </a:t>
             </a:r>
@@ -7412,7 +7867,8 @@
                 <a:solidFill>
                   <a:srgbClr val="393939"/>
                 </a:solidFill>
-                <a:latin typeface="+mn-ea"/>
+                <a:latin typeface="Mapo한아름" panose="02000500000000000000" pitchFamily="2" charset="-127"/>
+                <a:ea typeface="Mapo한아름" panose="02000500000000000000" pitchFamily="2" charset="-127"/>
               </a:rPr>
               <a:t>딥러닝</a:t>
             </a:r>
@@ -7467,7 +7923,10 @@
           <a:lstStyle/>
           <a:p>
             <a:pPr algn="ctr"/>
-            <a:endParaRPr lang="ko-KR" altLang="en-US"/>
+            <a:endParaRPr lang="ko-KR" altLang="en-US">
+              <a:latin typeface="Mapo한아름" panose="02000500000000000000" pitchFamily="2" charset="-127"/>
+              <a:ea typeface="Mapo한아름" panose="02000500000000000000" pitchFamily="2" charset="-127"/>
+            </a:endParaRPr>
           </a:p>
         </p:txBody>
       </p:sp>
@@ -7513,7 +7972,10 @@
           <a:lstStyle/>
           <a:p>
             <a:pPr algn="ctr"/>
-            <a:endParaRPr lang="ko-KR" altLang="en-US"/>
+            <a:endParaRPr lang="ko-KR" altLang="en-US">
+              <a:latin typeface="Mapo한아름" panose="02000500000000000000" pitchFamily="2" charset="-127"/>
+              <a:ea typeface="Mapo한아름" panose="02000500000000000000" pitchFamily="2" charset="-127"/>
+            </a:endParaRPr>
           </a:p>
         </p:txBody>
       </p:sp>
@@ -7550,6 +8012,8 @@
                 <a:solidFill>
                   <a:schemeClr val="bg1"/>
                 </a:solidFill>
+                <a:latin typeface="Mapo한아름" panose="02000500000000000000" pitchFamily="2" charset="-127"/>
+                <a:ea typeface="Mapo한아름" panose="02000500000000000000" pitchFamily="2" charset="-127"/>
               </a:rPr>
               <a:t>인공지능과 머신 러닝</a:t>
             </a:r>
@@ -7558,6 +8022,8 @@
                 <a:solidFill>
                   <a:schemeClr val="bg1"/>
                 </a:solidFill>
+                <a:latin typeface="Mapo한아름" panose="02000500000000000000" pitchFamily="2" charset="-127"/>
+                <a:ea typeface="Mapo한아름" panose="02000500000000000000" pitchFamily="2" charset="-127"/>
               </a:rPr>
               <a:t>, </a:t>
             </a:r>
@@ -7566,6 +8032,8 @@
                 <a:solidFill>
                   <a:schemeClr val="bg1"/>
                 </a:solidFill>
+                <a:latin typeface="Mapo한아름" panose="02000500000000000000" pitchFamily="2" charset="-127"/>
+                <a:ea typeface="Mapo한아름" panose="02000500000000000000" pitchFamily="2" charset="-127"/>
               </a:rPr>
               <a:t>딥러닝</a:t>
             </a:r>
@@ -7587,7 +8055,7 @@
         <p:spPr>
           <a:xfrm>
             <a:off x="132080" y="117305"/>
-            <a:ext cx="423514" cy="307777"/>
+            <a:ext cx="460382" cy="307777"/>
           </a:xfrm>
           <a:prstGeom prst="rect">
             <a:avLst/>
@@ -7605,6 +8073,8 @@
                 <a:solidFill>
                   <a:schemeClr val="bg1"/>
                 </a:solidFill>
+                <a:latin typeface="Mapo한아름" panose="02000500000000000000" pitchFamily="2" charset="-127"/>
+                <a:ea typeface="Mapo한아름" panose="02000500000000000000" pitchFamily="2" charset="-127"/>
               </a:rPr>
               <a:t>1.1</a:t>
             </a:r>
@@ -7612,6 +8082,8 @@
               <a:solidFill>
                 <a:schemeClr val="bg1"/>
               </a:solidFill>
+              <a:latin typeface="Mapo한아름" panose="02000500000000000000" pitchFamily="2" charset="-127"/>
+              <a:ea typeface="Mapo한아름" panose="02000500000000000000" pitchFamily="2" charset="-127"/>
             </a:endParaRPr>
           </a:p>
         </p:txBody>
@@ -7649,18 +8121,30 @@
               <a:buChar char="•"/>
             </a:pPr>
             <a:r>
-              <a:rPr lang="ko-KR" altLang="en-US" dirty="0"/>
+              <a:rPr lang="ko-KR" altLang="en-US" dirty="0">
+                <a:latin typeface="Mapo한아름" panose="02000500000000000000" pitchFamily="2" charset="-127"/>
+                <a:ea typeface="Mapo한아름" panose="02000500000000000000" pitchFamily="2" charset="-127"/>
+              </a:rPr>
               <a:t>인공지능 </a:t>
             </a:r>
             <a:r>
-              <a:rPr lang="en-US" altLang="ko-KR" dirty="0"/>
+              <a:rPr lang="en-US" altLang="ko-KR" dirty="0">
+                <a:latin typeface="Mapo한아름" panose="02000500000000000000" pitchFamily="2" charset="-127"/>
+                <a:ea typeface="Mapo한아름" panose="02000500000000000000" pitchFamily="2" charset="-127"/>
+              </a:rPr>
               <a:t>: </a:t>
             </a:r>
             <a:r>
-              <a:rPr lang="ko-KR" altLang="en-US" dirty="0"/>
+              <a:rPr lang="ko-KR" altLang="en-US" dirty="0">
+                <a:latin typeface="Mapo한아름" panose="02000500000000000000" pitchFamily="2" charset="-127"/>
+                <a:ea typeface="Mapo한아름" panose="02000500000000000000" pitchFamily="2" charset="-127"/>
+              </a:rPr>
               <a:t>보통의 사람이 수행하는 지능적인 작업을 자동화 하기 위한 연구활동</a:t>
             </a:r>
-            <a:endParaRPr lang="en-US" altLang="ko-KR" dirty="0"/>
+            <a:endParaRPr lang="en-US" altLang="ko-KR" dirty="0">
+              <a:latin typeface="Mapo한아름" panose="02000500000000000000" pitchFamily="2" charset="-127"/>
+              <a:ea typeface="Mapo한아름" panose="02000500000000000000" pitchFamily="2" charset="-127"/>
+            </a:endParaRPr>
           </a:p>
           <a:p>
             <a:pPr marL="285750" indent="-285750">
@@ -7668,47 +8152,80 @@
               <a:buChar char="•"/>
             </a:pPr>
             <a:r>
-              <a:rPr lang="ko-KR" altLang="en-US" dirty="0" err="1"/>
+              <a:rPr lang="ko-KR" altLang="en-US" dirty="0" err="1">
+                <a:latin typeface="Mapo한아름" panose="02000500000000000000" pitchFamily="2" charset="-127"/>
+                <a:ea typeface="Mapo한아름" panose="02000500000000000000" pitchFamily="2" charset="-127"/>
+              </a:rPr>
               <a:t>심볼릭</a:t>
             </a:r>
             <a:r>
-              <a:rPr lang="ko-KR" altLang="en-US" dirty="0"/>
+              <a:rPr lang="ko-KR" altLang="en-US" dirty="0">
+                <a:latin typeface="Mapo한아름" panose="02000500000000000000" pitchFamily="2" charset="-127"/>
+                <a:ea typeface="Mapo한아름" panose="02000500000000000000" pitchFamily="2" charset="-127"/>
+              </a:rPr>
               <a:t> </a:t>
             </a:r>
             <a:r>
-              <a:rPr lang="en-US" altLang="ko-KR" dirty="0"/>
+              <a:rPr lang="en-US" altLang="ko-KR" dirty="0">
+                <a:latin typeface="Mapo한아름" panose="02000500000000000000" pitchFamily="2" charset="-127"/>
+                <a:ea typeface="Mapo한아름" panose="02000500000000000000" pitchFamily="2" charset="-127"/>
+              </a:rPr>
               <a:t>AI : </a:t>
             </a:r>
             <a:r>
-              <a:rPr lang="ko-KR" altLang="en-US" dirty="0"/>
+              <a:rPr lang="ko-KR" altLang="en-US" dirty="0">
+                <a:latin typeface="Mapo한아름" panose="02000500000000000000" pitchFamily="2" charset="-127"/>
+                <a:ea typeface="Mapo한아름" panose="02000500000000000000" pitchFamily="2" charset="-127"/>
+              </a:rPr>
               <a:t>명시적인 규칙을 충분하게 만들어 기계의 수준을 높이는 접근 방법</a:t>
             </a:r>
-            <a:endParaRPr lang="en-US" altLang="ko-KR" dirty="0"/>
+            <a:endParaRPr lang="en-US" altLang="ko-KR" dirty="0">
+              <a:latin typeface="Mapo한아름" panose="02000500000000000000" pitchFamily="2" charset="-127"/>
+              <a:ea typeface="Mapo한아름" panose="02000500000000000000" pitchFamily="2" charset="-127"/>
+            </a:endParaRPr>
           </a:p>
           <a:p>
             <a:pPr lvl="3"/>
             <a:r>
-              <a:rPr lang="ko-KR" altLang="en-US" dirty="0"/>
+              <a:rPr lang="ko-KR" altLang="en-US" dirty="0">
+                <a:latin typeface="Mapo한아름" panose="02000500000000000000" pitchFamily="2" charset="-127"/>
+                <a:ea typeface="Mapo한아름" panose="02000500000000000000" pitchFamily="2" charset="-127"/>
+              </a:rPr>
               <a:t>명확한 규칙이 보이지 않을 경우 에는 쓰기 어려움</a:t>
             </a:r>
-            <a:endParaRPr lang="en-US" altLang="ko-KR" dirty="0"/>
-          </a:p>
-          <a:p>
-            <a:r>
-              <a:rPr lang="en-US" altLang="ko-KR" dirty="0"/>
+            <a:endParaRPr lang="en-US" altLang="ko-KR" dirty="0">
+              <a:latin typeface="Mapo한아름" panose="02000500000000000000" pitchFamily="2" charset="-127"/>
+              <a:ea typeface="Mapo한아름" panose="02000500000000000000" pitchFamily="2" charset="-127"/>
+            </a:endParaRPr>
+          </a:p>
+          <a:p>
+            <a:r>
+              <a:rPr lang="en-US" altLang="ko-KR" dirty="0">
+                <a:latin typeface="Mapo한아름" panose="02000500000000000000" pitchFamily="2" charset="-127"/>
+                <a:ea typeface="Mapo한아름" panose="02000500000000000000" pitchFamily="2" charset="-127"/>
+              </a:rPr>
               <a:t>	=&gt; </a:t>
             </a:r>
             <a:r>
-              <a:rPr lang="ko-KR" altLang="en-US" dirty="0"/>
+              <a:rPr lang="ko-KR" altLang="en-US" dirty="0">
+                <a:latin typeface="Mapo한아름" panose="02000500000000000000" pitchFamily="2" charset="-127"/>
+                <a:ea typeface="Mapo한아름" panose="02000500000000000000" pitchFamily="2" charset="-127"/>
+              </a:rPr>
               <a:t>머신 러닝</a:t>
             </a:r>
             <a:r>
-              <a:rPr lang="en-US" altLang="ko-KR" dirty="0"/>
+              <a:rPr lang="en-US" altLang="ko-KR" dirty="0">
+                <a:latin typeface="Mapo한아름" panose="02000500000000000000" pitchFamily="2" charset="-127"/>
+                <a:ea typeface="Mapo한아름" panose="02000500000000000000" pitchFamily="2" charset="-127"/>
+              </a:rPr>
               <a:t> </a:t>
             </a:r>
           </a:p>
           <a:p>
-            <a:endParaRPr lang="en-US" altLang="ko-KR" dirty="0"/>
+            <a:endParaRPr lang="en-US" altLang="ko-KR" dirty="0">
+              <a:latin typeface="Mapo한아름" panose="02000500000000000000" pitchFamily="2" charset="-127"/>
+              <a:ea typeface="Mapo한아름" panose="02000500000000000000" pitchFamily="2" charset="-127"/>
+            </a:endParaRPr>
           </a:p>
           <a:p>
             <a:pPr marL="285750" indent="-285750">
@@ -7716,31 +8233,49 @@
               <a:buChar char="•"/>
             </a:pPr>
             <a:r>
-              <a:rPr lang="ko-KR" altLang="en-US" dirty="0" err="1"/>
+              <a:rPr lang="ko-KR" altLang="en-US" dirty="0" err="1">
+                <a:latin typeface="Mapo한아름" panose="02000500000000000000" pitchFamily="2" charset="-127"/>
+                <a:ea typeface="Mapo한아름" panose="02000500000000000000" pitchFamily="2" charset="-127"/>
+              </a:rPr>
               <a:t>머신러닝</a:t>
             </a:r>
             <a:r>
-              <a:rPr lang="ko-KR" altLang="en-US" dirty="0"/>
+              <a:rPr lang="ko-KR" altLang="en-US" dirty="0">
+                <a:latin typeface="Mapo한아름" panose="02000500000000000000" pitchFamily="2" charset="-127"/>
+                <a:ea typeface="Mapo한아름" panose="02000500000000000000" pitchFamily="2" charset="-127"/>
+              </a:rPr>
               <a:t> </a:t>
             </a:r>
             <a:r>
-              <a:rPr lang="en-US" altLang="ko-KR" dirty="0"/>
+              <a:rPr lang="en-US" altLang="ko-KR" dirty="0">
+                <a:latin typeface="Mapo한아름" panose="02000500000000000000" pitchFamily="2" charset="-127"/>
+                <a:ea typeface="Mapo한아름" panose="02000500000000000000" pitchFamily="2" charset="-127"/>
+              </a:rPr>
               <a:t>: </a:t>
             </a:r>
             <a:r>
-              <a:rPr lang="ko-KR" altLang="en-US" dirty="0"/>
+              <a:rPr lang="ko-KR" altLang="en-US" dirty="0">
+                <a:latin typeface="Mapo한아름" panose="02000500000000000000" pitchFamily="2" charset="-127"/>
+                <a:ea typeface="Mapo한아름" panose="02000500000000000000" pitchFamily="2" charset="-127"/>
+              </a:rPr>
               <a:t>기계가 일일이 코드로 명시하지 않은 동작을 데이터로부터 학습하여 실행할 수 있도록 하는 알고리즘을 개발하는 연구 분야</a:t>
             </a:r>
           </a:p>
           <a:p>
-            <a:endParaRPr lang="en-US" altLang="ko-KR" dirty="0"/>
+            <a:endParaRPr lang="en-US" altLang="ko-KR" dirty="0">
+              <a:latin typeface="Mapo한아름" panose="02000500000000000000" pitchFamily="2" charset="-127"/>
+              <a:ea typeface="Mapo한아름" panose="02000500000000000000" pitchFamily="2" charset="-127"/>
+            </a:endParaRPr>
           </a:p>
           <a:p>
             <a:pPr marL="285750" indent="-285750">
               <a:buFont typeface="Arial" panose="020B0604020202020204" pitchFamily="34" charset="0"/>
               <a:buChar char="•"/>
             </a:pPr>
-            <a:endParaRPr lang="ko-KR" altLang="en-US" dirty="0"/>
+            <a:endParaRPr lang="ko-KR" altLang="en-US" dirty="0">
+              <a:latin typeface="Mapo한아름" panose="02000500000000000000" pitchFamily="2" charset="-127"/>
+              <a:ea typeface="Mapo한아름" panose="02000500000000000000" pitchFamily="2" charset="-127"/>
+            </a:endParaRPr>
           </a:p>
         </p:txBody>
       </p:sp>
@@ -7801,7 +8336,7 @@
         <p:spPr>
           <a:xfrm>
             <a:off x="875104" y="101916"/>
-            <a:ext cx="3313728" cy="646331"/>
+            <a:ext cx="3366627" cy="646331"/>
           </a:xfrm>
           <a:prstGeom prst="rect">
             <a:avLst/>
@@ -7819,6 +8354,8 @@
                 <a:solidFill>
                   <a:schemeClr val="bg1"/>
                 </a:solidFill>
+                <a:latin typeface="Mapo한아름" panose="02000500000000000000" pitchFamily="2" charset="-127"/>
+                <a:ea typeface="Mapo한아름" panose="02000500000000000000" pitchFamily="2" charset="-127"/>
               </a:rPr>
               <a:t>제목을 입력하세요</a:t>
             </a:r>
@@ -7840,7 +8377,7 @@
         <p:spPr>
           <a:xfrm>
             <a:off x="132080" y="117305"/>
-            <a:ext cx="743024" cy="307777"/>
+            <a:ext cx="808235" cy="307777"/>
           </a:xfrm>
           <a:prstGeom prst="rect">
             <a:avLst/>
@@ -7858,6 +8395,8 @@
                 <a:solidFill>
                   <a:schemeClr val="bg1"/>
                 </a:solidFill>
+                <a:latin typeface="Mapo한아름" panose="02000500000000000000" pitchFamily="2" charset="-127"/>
+                <a:ea typeface="Mapo한아름" panose="02000500000000000000" pitchFamily="2" charset="-127"/>
               </a:rPr>
               <a:t>Part 1, </a:t>
             </a:r>
@@ -7865,6 +8404,8 @@
               <a:solidFill>
                 <a:schemeClr val="bg1"/>
               </a:solidFill>
+              <a:latin typeface="Mapo한아름" panose="02000500000000000000" pitchFamily="2" charset="-127"/>
+              <a:ea typeface="Mapo한아름" panose="02000500000000000000" pitchFamily="2" charset="-127"/>
             </a:endParaRPr>
           </a:p>
         </p:txBody>
@@ -7884,7 +8425,7 @@
         <p:spPr>
           <a:xfrm>
             <a:off x="875104" y="676096"/>
-            <a:ext cx="4607352" cy="261610"/>
+            <a:ext cx="5170005" cy="261610"/>
           </a:xfrm>
           <a:prstGeom prst="rect">
             <a:avLst/>
@@ -7902,7 +8443,8 @@
                 <a:solidFill>
                   <a:schemeClr val="bg1"/>
                 </a:solidFill>
-                <a:latin typeface="Arial Nova Light" panose="020B0304020202020204" pitchFamily="34" charset="0"/>
+                <a:latin typeface="Mapo한아름" panose="02000500000000000000" pitchFamily="2" charset="-127"/>
+                <a:ea typeface="Mapo한아름" panose="02000500000000000000" pitchFamily="2" charset="-127"/>
               </a:rPr>
               <a:t>Lorem Ipsum is simply dummy text of the printing and typesetting industry</a:t>
             </a:r>
@@ -7910,7 +8452,8 @@
               <a:solidFill>
                 <a:schemeClr val="bg1"/>
               </a:solidFill>
-              <a:latin typeface="Arial Nova Light" panose="020B0304020202020204" pitchFamily="34" charset="0"/>
+              <a:latin typeface="Mapo한아름" panose="02000500000000000000" pitchFamily="2" charset="-127"/>
+              <a:ea typeface="Mapo한아름" panose="02000500000000000000" pitchFamily="2" charset="-127"/>
             </a:endParaRPr>
           </a:p>
         </p:txBody>
@@ -7930,7 +8473,7 @@
         <p:spPr>
           <a:xfrm>
             <a:off x="339536" y="1264666"/>
-            <a:ext cx="3557384" cy="461665"/>
+            <a:ext cx="3223959" cy="461665"/>
           </a:xfrm>
           <a:prstGeom prst="rect">
             <a:avLst/>
@@ -7945,7 +8488,8 @@
           <a:p>
             <a:r>
               <a:rPr lang="ko-KR" altLang="en-US" sz="2400" spc="-300" dirty="0">
-                <a:latin typeface="+mn-ea"/>
+                <a:latin typeface="Mapo한아름" panose="02000500000000000000" pitchFamily="2" charset="-127"/>
+                <a:ea typeface="Mapo한아름" panose="02000500000000000000" pitchFamily="2" charset="-127"/>
               </a:rPr>
               <a:t>데이터에서 표현을 학습하기</a:t>
             </a:r>
@@ -8000,7 +8544,10 @@
           <a:lstStyle/>
           <a:p>
             <a:pPr algn="ctr"/>
-            <a:endParaRPr lang="ko-KR" altLang="en-US"/>
+            <a:endParaRPr lang="ko-KR" altLang="en-US">
+              <a:latin typeface="Mapo한아름" panose="02000500000000000000" pitchFamily="2" charset="-127"/>
+              <a:ea typeface="Mapo한아름" panose="02000500000000000000" pitchFamily="2" charset="-127"/>
+            </a:endParaRPr>
           </a:p>
         </p:txBody>
       </p:sp>
@@ -8046,7 +8593,10 @@
           <a:lstStyle/>
           <a:p>
             <a:pPr algn="ctr"/>
-            <a:endParaRPr lang="ko-KR" altLang="en-US"/>
+            <a:endParaRPr lang="ko-KR" altLang="en-US">
+              <a:latin typeface="Mapo한아름" panose="02000500000000000000" pitchFamily="2" charset="-127"/>
+              <a:ea typeface="Mapo한아름" panose="02000500000000000000" pitchFamily="2" charset="-127"/>
+            </a:endParaRPr>
           </a:p>
         </p:txBody>
       </p:sp>
@@ -8065,7 +8615,7 @@
         <p:spPr>
           <a:xfrm>
             <a:off x="687674" y="215314"/>
-            <a:ext cx="5695790" cy="646331"/>
+            <a:ext cx="5194051" cy="646331"/>
           </a:xfrm>
           <a:prstGeom prst="rect">
             <a:avLst/>
@@ -8083,6 +8633,8 @@
                 <a:solidFill>
                   <a:schemeClr val="bg1"/>
                 </a:solidFill>
+                <a:latin typeface="Mapo한아름" panose="02000500000000000000" pitchFamily="2" charset="-127"/>
+                <a:ea typeface="Mapo한아름" panose="02000500000000000000" pitchFamily="2" charset="-127"/>
               </a:rPr>
               <a:t>인공지능과 머신 러닝</a:t>
             </a:r>
@@ -8091,6 +8643,8 @@
                 <a:solidFill>
                   <a:schemeClr val="bg1"/>
                 </a:solidFill>
+                <a:latin typeface="Mapo한아름" panose="02000500000000000000" pitchFamily="2" charset="-127"/>
+                <a:ea typeface="Mapo한아름" panose="02000500000000000000" pitchFamily="2" charset="-127"/>
               </a:rPr>
               <a:t>, </a:t>
             </a:r>
@@ -8099,6 +8653,8 @@
                 <a:solidFill>
                   <a:schemeClr val="bg1"/>
                 </a:solidFill>
+                <a:latin typeface="Mapo한아름" panose="02000500000000000000" pitchFamily="2" charset="-127"/>
+                <a:ea typeface="Mapo한아름" panose="02000500000000000000" pitchFamily="2" charset="-127"/>
               </a:rPr>
               <a:t>딥러닝</a:t>
             </a:r>
@@ -8120,7 +8676,7 @@
         <p:spPr>
           <a:xfrm>
             <a:off x="132080" y="117305"/>
-            <a:ext cx="423514" cy="307777"/>
+            <a:ext cx="460382" cy="307777"/>
           </a:xfrm>
           <a:prstGeom prst="rect">
             <a:avLst/>
@@ -8138,6 +8694,8 @@
                 <a:solidFill>
                   <a:schemeClr val="bg1"/>
                 </a:solidFill>
+                <a:latin typeface="Mapo한아름" panose="02000500000000000000" pitchFamily="2" charset="-127"/>
+                <a:ea typeface="Mapo한아름" panose="02000500000000000000" pitchFamily="2" charset="-127"/>
               </a:rPr>
               <a:t>1.1</a:t>
             </a:r>
@@ -8145,6 +8703,8 @@
               <a:solidFill>
                 <a:schemeClr val="bg1"/>
               </a:solidFill>
+              <a:latin typeface="Mapo한아름" panose="02000500000000000000" pitchFamily="2" charset="-127"/>
+              <a:ea typeface="Mapo한아름" panose="02000500000000000000" pitchFamily="2" charset="-127"/>
             </a:endParaRPr>
           </a:p>
         </p:txBody>
@@ -8212,10 +8772,16 @@
               </a:lnSpc>
             </a:pPr>
             <a:r>
-              <a:rPr kumimoji="1" lang="ko-KR" altLang="en-US" sz="2700" b="1" dirty="0"/>
+              <a:rPr kumimoji="1" lang="ko-KR" altLang="en-US" sz="2700" b="1" dirty="0">
+                <a:latin typeface="Mapo한아름" panose="02000500000000000000" pitchFamily="2" charset="-127"/>
+                <a:ea typeface="Mapo한아름" panose="02000500000000000000" pitchFamily="2" charset="-127"/>
+              </a:rPr>
               <a:t>기대 출력</a:t>
             </a:r>
-            <a:endParaRPr kumimoji="1" lang="ko-Kore-KR" altLang="en-US" sz="2700" b="1" dirty="0"/>
+            <a:endParaRPr kumimoji="1" lang="ko-Kore-KR" altLang="en-US" sz="2700" b="1" dirty="0">
+              <a:latin typeface="Mapo한아름" panose="02000500000000000000" pitchFamily="2" charset="-127"/>
+              <a:ea typeface="Mapo한아름" panose="02000500000000000000" pitchFamily="2" charset="-127"/>
+            </a:endParaRPr>
           </a:p>
         </p:txBody>
       </p:sp>
@@ -8279,14 +8845,23 @@
               </a:lnSpc>
             </a:pPr>
             <a:r>
-              <a:rPr kumimoji="1" lang="ko-Kore-KR" altLang="en-US" sz="2700" b="1" dirty="0"/>
+              <a:rPr kumimoji="1" lang="ko-Kore-KR" altLang="en-US" sz="2700" b="1" dirty="0">
+                <a:latin typeface="Mapo한아름" panose="02000500000000000000" pitchFamily="2" charset="-127"/>
+                <a:ea typeface="Mapo한아름" panose="02000500000000000000" pitchFamily="2" charset="-127"/>
+              </a:rPr>
               <a:t>알고리즘</a:t>
             </a:r>
             <a:r>
-              <a:rPr kumimoji="1" lang="ko-KR" altLang="en-US" sz="2700" b="1"/>
+              <a:rPr kumimoji="1" lang="ko-KR" altLang="en-US" sz="2700" b="1">
+                <a:latin typeface="Mapo한아름" panose="02000500000000000000" pitchFamily="2" charset="-127"/>
+                <a:ea typeface="Mapo한아름" panose="02000500000000000000" pitchFamily="2" charset="-127"/>
+              </a:rPr>
               <a:t> 성능 측정 방법</a:t>
             </a:r>
-            <a:endParaRPr kumimoji="1" lang="ko-Kore-KR" altLang="en-US" sz="2700" b="1" dirty="0"/>
+            <a:endParaRPr kumimoji="1" lang="ko-Kore-KR" altLang="en-US" sz="2700" b="1" dirty="0">
+              <a:latin typeface="Mapo한아름" panose="02000500000000000000" pitchFamily="2" charset="-127"/>
+              <a:ea typeface="Mapo한아름" panose="02000500000000000000" pitchFamily="2" charset="-127"/>
+            </a:endParaRPr>
           </a:p>
         </p:txBody>
       </p:sp>
@@ -8349,10 +8924,16 @@
           <a:p>
             <a:pPr algn="ctr"/>
             <a:r>
-              <a:rPr kumimoji="1" lang="ko-KR" altLang="en-US" sz="2700" b="1" dirty="0"/>
+              <a:rPr kumimoji="1" lang="ko-KR" altLang="en-US" sz="2700" b="1" dirty="0">
+                <a:latin typeface="Mapo한아름" panose="02000500000000000000" pitchFamily="2" charset="-127"/>
+                <a:ea typeface="Mapo한아름" panose="02000500000000000000" pitchFamily="2" charset="-127"/>
+              </a:rPr>
               <a:t>입력 데이터 포인트</a:t>
             </a:r>
-            <a:endParaRPr kumimoji="1" lang="ko-Kore-KR" altLang="en-US" sz="2700" b="1" dirty="0"/>
+            <a:endParaRPr kumimoji="1" lang="ko-Kore-KR" altLang="en-US" sz="2700" b="1" dirty="0">
+              <a:latin typeface="Mapo한아름" panose="02000500000000000000" pitchFamily="2" charset="-127"/>
+              <a:ea typeface="Mapo한아름" panose="02000500000000000000" pitchFamily="2" charset="-127"/>
+            </a:endParaRPr>
           </a:p>
         </p:txBody>
       </p:sp>
@@ -8571,7 +9152,7 @@
         <p:spPr>
           <a:xfrm>
             <a:off x="875104" y="101916"/>
-            <a:ext cx="3313728" cy="646331"/>
+            <a:ext cx="3366627" cy="646331"/>
           </a:xfrm>
           <a:prstGeom prst="rect">
             <a:avLst/>
@@ -8589,6 +9170,8 @@
                 <a:solidFill>
                   <a:schemeClr val="bg1"/>
                 </a:solidFill>
+                <a:latin typeface="Mapo한아름" panose="02000500000000000000" pitchFamily="2" charset="-127"/>
+                <a:ea typeface="Mapo한아름" panose="02000500000000000000" pitchFamily="2" charset="-127"/>
               </a:rPr>
               <a:t>제목을 입력하세요</a:t>
             </a:r>
@@ -8610,7 +9193,7 @@
         <p:spPr>
           <a:xfrm>
             <a:off x="132080" y="117305"/>
-            <a:ext cx="743024" cy="307777"/>
+            <a:ext cx="808235" cy="307777"/>
           </a:xfrm>
           <a:prstGeom prst="rect">
             <a:avLst/>
@@ -8628,6 +9211,8 @@
                 <a:solidFill>
                   <a:schemeClr val="bg1"/>
                 </a:solidFill>
+                <a:latin typeface="Mapo한아름" panose="02000500000000000000" pitchFamily="2" charset="-127"/>
+                <a:ea typeface="Mapo한아름" panose="02000500000000000000" pitchFamily="2" charset="-127"/>
               </a:rPr>
               <a:t>Part 1, </a:t>
             </a:r>
@@ -8635,6 +9220,8 @@
               <a:solidFill>
                 <a:schemeClr val="bg1"/>
               </a:solidFill>
+              <a:latin typeface="Mapo한아름" panose="02000500000000000000" pitchFamily="2" charset="-127"/>
+              <a:ea typeface="Mapo한아름" panose="02000500000000000000" pitchFamily="2" charset="-127"/>
             </a:endParaRPr>
           </a:p>
         </p:txBody>
@@ -8654,7 +9241,7 @@
         <p:spPr>
           <a:xfrm>
             <a:off x="875104" y="676096"/>
-            <a:ext cx="4607352" cy="261610"/>
+            <a:ext cx="5170005" cy="261610"/>
           </a:xfrm>
           <a:prstGeom prst="rect">
             <a:avLst/>
@@ -8672,7 +9259,8 @@
                 <a:solidFill>
                   <a:schemeClr val="bg1"/>
                 </a:solidFill>
-                <a:latin typeface="Arial Nova Light" panose="020B0304020202020204" pitchFamily="34" charset="0"/>
+                <a:latin typeface="Mapo한아름" panose="02000500000000000000" pitchFamily="2" charset="-127"/>
+                <a:ea typeface="Mapo한아름" panose="02000500000000000000" pitchFamily="2" charset="-127"/>
               </a:rPr>
               <a:t>Lorem Ipsum is simply dummy text of the printing and typesetting industry</a:t>
             </a:r>
@@ -8680,7 +9268,8 @@
               <a:solidFill>
                 <a:schemeClr val="bg1"/>
               </a:solidFill>
-              <a:latin typeface="Arial Nova Light" panose="020B0304020202020204" pitchFamily="34" charset="0"/>
+              <a:latin typeface="Mapo한아름" panose="02000500000000000000" pitchFamily="2" charset="-127"/>
+              <a:ea typeface="Mapo한아름" panose="02000500000000000000" pitchFamily="2" charset="-127"/>
             </a:endParaRPr>
           </a:p>
         </p:txBody>
@@ -8700,7 +9289,7 @@
         <p:spPr>
           <a:xfrm>
             <a:off x="339536" y="1264666"/>
-            <a:ext cx="3724096" cy="461665"/>
+            <a:ext cx="3448380" cy="461665"/>
           </a:xfrm>
           <a:prstGeom prst="rect">
             <a:avLst/>
@@ -8715,31 +9304,36 @@
           <a:p>
             <a:r>
               <a:rPr lang="ko-KR" altLang="en-US" sz="2400" spc="-300" dirty="0" err="1">
-                <a:latin typeface="+mn-ea"/>
+                <a:latin typeface="Mapo한아름" panose="02000500000000000000" pitchFamily="2" charset="-127"/>
+                <a:ea typeface="Mapo한아름" panose="02000500000000000000" pitchFamily="2" charset="-127"/>
               </a:rPr>
               <a:t>딥러닝에서</a:t>
             </a:r>
             <a:r>
               <a:rPr lang="ko-KR" altLang="en-US" sz="2400" spc="-300" dirty="0">
-                <a:latin typeface="+mn-ea"/>
+                <a:latin typeface="Mapo한아름" panose="02000500000000000000" pitchFamily="2" charset="-127"/>
+                <a:ea typeface="Mapo한아름" panose="02000500000000000000" pitchFamily="2" charset="-127"/>
               </a:rPr>
               <a:t> ‘</a:t>
             </a:r>
             <a:r>
               <a:rPr lang="ko-KR" altLang="en-US" sz="2400" spc="-300" dirty="0" err="1">
-                <a:latin typeface="+mn-ea"/>
+                <a:latin typeface="Mapo한아름" panose="02000500000000000000" pitchFamily="2" charset="-127"/>
+                <a:ea typeface="Mapo한아름" panose="02000500000000000000" pitchFamily="2" charset="-127"/>
               </a:rPr>
               <a:t>딥’이란</a:t>
             </a:r>
             <a:r>
               <a:rPr lang="ko-KR" altLang="en-US" sz="2400" spc="-300" dirty="0">
-                <a:latin typeface="+mn-ea"/>
+                <a:latin typeface="Mapo한아름" panose="02000500000000000000" pitchFamily="2" charset="-127"/>
+                <a:ea typeface="Mapo한아름" panose="02000500000000000000" pitchFamily="2" charset="-127"/>
               </a:rPr>
               <a:t> 무엇일까</a:t>
             </a:r>
             <a:r>
               <a:rPr lang="en-US" altLang="ko-KR" sz="2400" spc="-300" dirty="0">
-                <a:latin typeface="+mn-ea"/>
+                <a:latin typeface="Mapo한아름" panose="02000500000000000000" pitchFamily="2" charset="-127"/>
+                <a:ea typeface="Mapo한아름" panose="02000500000000000000" pitchFamily="2" charset="-127"/>
               </a:rPr>
               <a:t>?</a:t>
             </a:r>
@@ -8794,7 +9388,10 @@
           <a:lstStyle/>
           <a:p>
             <a:pPr algn="ctr"/>
-            <a:endParaRPr lang="ko-KR" altLang="en-US"/>
+            <a:endParaRPr lang="ko-KR" altLang="en-US">
+              <a:latin typeface="Mapo한아름" panose="02000500000000000000" pitchFamily="2" charset="-127"/>
+              <a:ea typeface="Mapo한아름" panose="02000500000000000000" pitchFamily="2" charset="-127"/>
+            </a:endParaRPr>
           </a:p>
         </p:txBody>
       </p:sp>
@@ -8840,7 +9437,10 @@
           <a:lstStyle/>
           <a:p>
             <a:pPr algn="ctr"/>
-            <a:endParaRPr lang="ko-KR" altLang="en-US"/>
+            <a:endParaRPr lang="ko-KR" altLang="en-US">
+              <a:latin typeface="Mapo한아름" panose="02000500000000000000" pitchFamily="2" charset="-127"/>
+              <a:ea typeface="Mapo한아름" panose="02000500000000000000" pitchFamily="2" charset="-127"/>
+            </a:endParaRPr>
           </a:p>
         </p:txBody>
       </p:sp>
@@ -8859,7 +9459,7 @@
         <p:spPr>
           <a:xfrm>
             <a:off x="687674" y="215314"/>
-            <a:ext cx="5695790" cy="646331"/>
+            <a:ext cx="5194051" cy="646331"/>
           </a:xfrm>
           <a:prstGeom prst="rect">
             <a:avLst/>
@@ -8877,6 +9477,8 @@
                 <a:solidFill>
                   <a:schemeClr val="bg1"/>
                 </a:solidFill>
+                <a:latin typeface="Mapo한아름" panose="02000500000000000000" pitchFamily="2" charset="-127"/>
+                <a:ea typeface="Mapo한아름" panose="02000500000000000000" pitchFamily="2" charset="-127"/>
               </a:rPr>
               <a:t>인공지능과 머신 러닝</a:t>
             </a:r>
@@ -8885,6 +9487,8 @@
                 <a:solidFill>
                   <a:schemeClr val="bg1"/>
                 </a:solidFill>
+                <a:latin typeface="Mapo한아름" panose="02000500000000000000" pitchFamily="2" charset="-127"/>
+                <a:ea typeface="Mapo한아름" panose="02000500000000000000" pitchFamily="2" charset="-127"/>
               </a:rPr>
               <a:t>, </a:t>
             </a:r>
@@ -8893,6 +9497,8 @@
                 <a:solidFill>
                   <a:schemeClr val="bg1"/>
                 </a:solidFill>
+                <a:latin typeface="Mapo한아름" panose="02000500000000000000" pitchFamily="2" charset="-127"/>
+                <a:ea typeface="Mapo한아름" panose="02000500000000000000" pitchFamily="2" charset="-127"/>
               </a:rPr>
               <a:t>딥러닝</a:t>
             </a:r>
@@ -8914,7 +9520,7 @@
         <p:spPr>
           <a:xfrm>
             <a:off x="132080" y="117305"/>
-            <a:ext cx="423514" cy="307777"/>
+            <a:ext cx="460382" cy="307777"/>
           </a:xfrm>
           <a:prstGeom prst="rect">
             <a:avLst/>
@@ -8932,6 +9538,8 @@
                 <a:solidFill>
                   <a:schemeClr val="bg1"/>
                 </a:solidFill>
+                <a:latin typeface="Mapo한아름" panose="02000500000000000000" pitchFamily="2" charset="-127"/>
+                <a:ea typeface="Mapo한아름" panose="02000500000000000000" pitchFamily="2" charset="-127"/>
               </a:rPr>
               <a:t>1.1</a:t>
             </a:r>
@@ -8939,6 +9547,8 @@
               <a:solidFill>
                 <a:schemeClr val="bg1"/>
               </a:solidFill>
+              <a:latin typeface="Mapo한아름" panose="02000500000000000000" pitchFamily="2" charset="-127"/>
+              <a:ea typeface="Mapo한아름" panose="02000500000000000000" pitchFamily="2" charset="-127"/>
             </a:endParaRPr>
           </a:p>
         </p:txBody>
@@ -8972,51 +9582,87 @@
           <a:lstStyle/>
           <a:p>
             <a:r>
-              <a:rPr lang="ko-KR" altLang="en-US" sz="2800" b="1" dirty="0"/>
+              <a:rPr lang="ko-KR" altLang="en-US" sz="2800" b="1" dirty="0">
+                <a:latin typeface="Mapo한아름" panose="02000500000000000000" pitchFamily="2" charset="-127"/>
+                <a:ea typeface="Mapo한아름" panose="02000500000000000000" pitchFamily="2" charset="-127"/>
+              </a:rPr>
               <a:t>층</a:t>
             </a:r>
             <a:r>
-              <a:rPr lang="en-US" altLang="ko-KR" sz="2800" b="1" dirty="0"/>
+              <a:rPr lang="en-US" altLang="ko-KR" sz="2800" b="1" dirty="0">
+                <a:latin typeface="Mapo한아름" panose="02000500000000000000" pitchFamily="2" charset="-127"/>
+                <a:ea typeface="Mapo한아름" panose="02000500000000000000" pitchFamily="2" charset="-127"/>
+              </a:rPr>
               <a:t>(layer)</a:t>
             </a:r>
             <a:r>
-              <a:rPr lang="ko-KR" altLang="en-US" sz="2800" b="1" dirty="0"/>
+              <a:rPr lang="ko-KR" altLang="en-US" sz="2800" b="1" dirty="0">
+                <a:latin typeface="Mapo한아름" panose="02000500000000000000" pitchFamily="2" charset="-127"/>
+                <a:ea typeface="Mapo한아름" panose="02000500000000000000" pitchFamily="2" charset="-127"/>
+              </a:rPr>
               <a:t>란</a:t>
             </a:r>
             <a:r>
-              <a:rPr lang="en-US" altLang="ko-KR" sz="2800" b="1" dirty="0"/>
+              <a:rPr lang="en-US" altLang="ko-KR" sz="2800" b="1" dirty="0">
+                <a:latin typeface="Mapo한아름" panose="02000500000000000000" pitchFamily="2" charset="-127"/>
+                <a:ea typeface="Mapo한아름" panose="02000500000000000000" pitchFamily="2" charset="-127"/>
+              </a:rPr>
               <a:t>?</a:t>
             </a:r>
           </a:p>
           <a:p>
             <a:r>
-              <a:rPr lang="ko-KR" altLang="en-US" dirty="0"/>
+              <a:rPr lang="ko-KR" altLang="en-US" dirty="0">
+                <a:latin typeface="Mapo한아름" panose="02000500000000000000" pitchFamily="2" charset="-127"/>
+                <a:ea typeface="Mapo한아름" panose="02000500000000000000" pitchFamily="2" charset="-127"/>
+              </a:rPr>
               <a:t>단계를 표현하는 명칭</a:t>
             </a:r>
-            <a:endParaRPr lang="en-US" altLang="ko-KR" dirty="0"/>
-          </a:p>
-          <a:p>
-            <a:endParaRPr lang="en-US" altLang="ko-KR" dirty="0"/>
-          </a:p>
-          <a:p>
-            <a:endParaRPr lang="en-US" altLang="ko-KR" dirty="0"/>
-          </a:p>
-          <a:p>
-            <a:endParaRPr lang="en-US" altLang="ko-KR" dirty="0"/>
-          </a:p>
-          <a:p>
-            <a:r>
-              <a:rPr lang="ko-KR" altLang="en-US" sz="2800" b="1" dirty="0" err="1"/>
+            <a:endParaRPr lang="en-US" altLang="ko-KR" dirty="0">
+              <a:latin typeface="Mapo한아름" panose="02000500000000000000" pitchFamily="2" charset="-127"/>
+              <a:ea typeface="Mapo한아름" panose="02000500000000000000" pitchFamily="2" charset="-127"/>
+            </a:endParaRPr>
+          </a:p>
+          <a:p>
+            <a:endParaRPr lang="en-US" altLang="ko-KR" dirty="0">
+              <a:latin typeface="Mapo한아름" panose="02000500000000000000" pitchFamily="2" charset="-127"/>
+              <a:ea typeface="Mapo한아름" panose="02000500000000000000" pitchFamily="2" charset="-127"/>
+            </a:endParaRPr>
+          </a:p>
+          <a:p>
+            <a:endParaRPr lang="en-US" altLang="ko-KR" dirty="0">
+              <a:latin typeface="Mapo한아름" panose="02000500000000000000" pitchFamily="2" charset="-127"/>
+              <a:ea typeface="Mapo한아름" panose="02000500000000000000" pitchFamily="2" charset="-127"/>
+            </a:endParaRPr>
+          </a:p>
+          <a:p>
+            <a:endParaRPr lang="en-US" altLang="ko-KR" dirty="0">
+              <a:latin typeface="Mapo한아름" panose="02000500000000000000" pitchFamily="2" charset="-127"/>
+              <a:ea typeface="Mapo한아름" panose="02000500000000000000" pitchFamily="2" charset="-127"/>
+            </a:endParaRPr>
+          </a:p>
+          <a:p>
+            <a:r>
+              <a:rPr lang="ko-KR" altLang="en-US" sz="2800" b="1" dirty="0" err="1">
+                <a:latin typeface="Mapo한아름" panose="02000500000000000000" pitchFamily="2" charset="-127"/>
+                <a:ea typeface="Mapo한아름" panose="02000500000000000000" pitchFamily="2" charset="-127"/>
+              </a:rPr>
               <a:t>딥러닝이란</a:t>
             </a:r>
             <a:r>
-              <a:rPr lang="en-US" altLang="ko-KR" sz="2800" b="1" dirty="0"/>
+              <a:rPr lang="en-US" altLang="ko-KR" sz="2800" b="1" dirty="0">
+                <a:latin typeface="Mapo한아름" panose="02000500000000000000" pitchFamily="2" charset="-127"/>
+                <a:ea typeface="Mapo한아름" panose="02000500000000000000" pitchFamily="2" charset="-127"/>
+              </a:rPr>
               <a:t>?</a:t>
             </a:r>
           </a:p>
           <a:p>
             <a:r>
-              <a:rPr lang="ko-KR" altLang="en-US" dirty="0"/>
+              <a:rPr lang="ko-KR" altLang="en-US" dirty="0">
+                <a:latin typeface="Mapo한아름" panose="02000500000000000000" pitchFamily="2" charset="-127"/>
+                <a:ea typeface="Mapo한아름" panose="02000500000000000000" pitchFamily="2" charset="-127"/>
+              </a:rPr>
               <a:t>데이터 표현을 학습하기 위한 다단계 처리 방식</a:t>
             </a:r>
           </a:p>
@@ -9109,7 +9755,7 @@
         <p:spPr>
           <a:xfrm>
             <a:off x="875104" y="101916"/>
-            <a:ext cx="3313728" cy="646331"/>
+            <a:ext cx="3366627" cy="646331"/>
           </a:xfrm>
           <a:prstGeom prst="rect">
             <a:avLst/>
@@ -9127,6 +9773,8 @@
                 <a:solidFill>
                   <a:schemeClr val="bg1"/>
                 </a:solidFill>
+                <a:latin typeface="Mapo한아름" panose="02000500000000000000" pitchFamily="2" charset="-127"/>
+                <a:ea typeface="Mapo한아름" panose="02000500000000000000" pitchFamily="2" charset="-127"/>
               </a:rPr>
               <a:t>제목을 입력하세요</a:t>
             </a:r>
@@ -9148,7 +9796,7 @@
         <p:spPr>
           <a:xfrm>
             <a:off x="132080" y="117305"/>
-            <a:ext cx="743024" cy="307777"/>
+            <a:ext cx="808235" cy="307777"/>
           </a:xfrm>
           <a:prstGeom prst="rect">
             <a:avLst/>
@@ -9166,6 +9814,8 @@
                 <a:solidFill>
                   <a:schemeClr val="bg1"/>
                 </a:solidFill>
+                <a:latin typeface="Mapo한아름" panose="02000500000000000000" pitchFamily="2" charset="-127"/>
+                <a:ea typeface="Mapo한아름" panose="02000500000000000000" pitchFamily="2" charset="-127"/>
               </a:rPr>
               <a:t>Part 1, </a:t>
             </a:r>
@@ -9173,6 +9823,8 @@
               <a:solidFill>
                 <a:schemeClr val="bg1"/>
               </a:solidFill>
+              <a:latin typeface="Mapo한아름" panose="02000500000000000000" pitchFamily="2" charset="-127"/>
+              <a:ea typeface="Mapo한아름" panose="02000500000000000000" pitchFamily="2" charset="-127"/>
             </a:endParaRPr>
           </a:p>
         </p:txBody>
@@ -9192,7 +9844,7 @@
         <p:spPr>
           <a:xfrm>
             <a:off x="875104" y="676096"/>
-            <a:ext cx="4607352" cy="261610"/>
+            <a:ext cx="5170005" cy="261610"/>
           </a:xfrm>
           <a:prstGeom prst="rect">
             <a:avLst/>
@@ -9210,7 +9862,8 @@
                 <a:solidFill>
                   <a:schemeClr val="bg1"/>
                 </a:solidFill>
-                <a:latin typeface="Arial Nova Light" panose="020B0304020202020204" pitchFamily="34" charset="0"/>
+                <a:latin typeface="Mapo한아름" panose="02000500000000000000" pitchFamily="2" charset="-127"/>
+                <a:ea typeface="Mapo한아름" panose="02000500000000000000" pitchFamily="2" charset="-127"/>
               </a:rPr>
               <a:t>Lorem Ipsum is simply dummy text of the printing and typesetting industry</a:t>
             </a:r>
@@ -9218,7 +9871,8 @@
               <a:solidFill>
                 <a:schemeClr val="bg1"/>
               </a:solidFill>
-              <a:latin typeface="Arial Nova Light" panose="020B0304020202020204" pitchFamily="34" charset="0"/>
+              <a:latin typeface="Mapo한아름" panose="02000500000000000000" pitchFamily="2" charset="-127"/>
+              <a:ea typeface="Mapo한아름" panose="02000500000000000000" pitchFamily="2" charset="-127"/>
             </a:endParaRPr>
           </a:p>
         </p:txBody>
@@ -9238,7 +9892,7 @@
         <p:spPr>
           <a:xfrm>
             <a:off x="339536" y="1264666"/>
-            <a:ext cx="3429144" cy="461665"/>
+            <a:ext cx="3026791" cy="461665"/>
           </a:xfrm>
           <a:prstGeom prst="rect">
             <a:avLst/>
@@ -9253,12 +9907,14 @@
           <a:p>
             <a:r>
               <a:rPr lang="ko-KR" altLang="en-US" sz="2400" spc="-300" dirty="0">
-                <a:latin typeface="+mn-ea"/>
+                <a:latin typeface="Mapo한아름" panose="02000500000000000000" pitchFamily="2" charset="-127"/>
+                <a:ea typeface="Mapo한아름" panose="02000500000000000000" pitchFamily="2" charset="-127"/>
               </a:rPr>
               <a:t>딥러닝 작동 원리 이해하기</a:t>
             </a:r>
             <a:endParaRPr lang="en-US" altLang="ko-KR" sz="2400" spc="-300" dirty="0">
-              <a:latin typeface="+mn-ea"/>
+              <a:latin typeface="Mapo한아름" panose="02000500000000000000" pitchFamily="2" charset="-127"/>
+              <a:ea typeface="Mapo한아름" panose="02000500000000000000" pitchFamily="2" charset="-127"/>
             </a:endParaRPr>
           </a:p>
         </p:txBody>
@@ -9311,7 +9967,10 @@
           <a:lstStyle/>
           <a:p>
             <a:pPr algn="ctr"/>
-            <a:endParaRPr lang="ko-KR" altLang="en-US"/>
+            <a:endParaRPr lang="ko-KR" altLang="en-US">
+              <a:latin typeface="Mapo한아름" panose="02000500000000000000" pitchFamily="2" charset="-127"/>
+              <a:ea typeface="Mapo한아름" panose="02000500000000000000" pitchFamily="2" charset="-127"/>
+            </a:endParaRPr>
           </a:p>
         </p:txBody>
       </p:sp>
@@ -9357,7 +10016,10 @@
           <a:lstStyle/>
           <a:p>
             <a:pPr algn="ctr"/>
-            <a:endParaRPr lang="ko-KR" altLang="en-US"/>
+            <a:endParaRPr lang="ko-KR" altLang="en-US">
+              <a:latin typeface="Mapo한아름" panose="02000500000000000000" pitchFamily="2" charset="-127"/>
+              <a:ea typeface="Mapo한아름" panose="02000500000000000000" pitchFamily="2" charset="-127"/>
+            </a:endParaRPr>
           </a:p>
         </p:txBody>
       </p:sp>
@@ -9376,7 +10038,7 @@
         <p:spPr>
           <a:xfrm>
             <a:off x="687674" y="215314"/>
-            <a:ext cx="5695790" cy="646331"/>
+            <a:ext cx="5194051" cy="646331"/>
           </a:xfrm>
           <a:prstGeom prst="rect">
             <a:avLst/>
@@ -9394,6 +10056,8 @@
                 <a:solidFill>
                   <a:schemeClr val="bg1"/>
                 </a:solidFill>
+                <a:latin typeface="Mapo한아름" panose="02000500000000000000" pitchFamily="2" charset="-127"/>
+                <a:ea typeface="Mapo한아름" panose="02000500000000000000" pitchFamily="2" charset="-127"/>
               </a:rPr>
               <a:t>인공지능과 머신 러닝</a:t>
             </a:r>
@@ -9402,6 +10066,8 @@
                 <a:solidFill>
                   <a:schemeClr val="bg1"/>
                 </a:solidFill>
+                <a:latin typeface="Mapo한아름" panose="02000500000000000000" pitchFamily="2" charset="-127"/>
+                <a:ea typeface="Mapo한아름" panose="02000500000000000000" pitchFamily="2" charset="-127"/>
               </a:rPr>
               <a:t>, </a:t>
             </a:r>
@@ -9410,6 +10076,8 @@
                 <a:solidFill>
                   <a:schemeClr val="bg1"/>
                 </a:solidFill>
+                <a:latin typeface="Mapo한아름" panose="02000500000000000000" pitchFamily="2" charset="-127"/>
+                <a:ea typeface="Mapo한아름" panose="02000500000000000000" pitchFamily="2" charset="-127"/>
               </a:rPr>
               <a:t>딥러닝</a:t>
             </a:r>
@@ -9431,7 +10099,7 @@
         <p:spPr>
           <a:xfrm>
             <a:off x="132080" y="117305"/>
-            <a:ext cx="423514" cy="307777"/>
+            <a:ext cx="460382" cy="307777"/>
           </a:xfrm>
           <a:prstGeom prst="rect">
             <a:avLst/>
@@ -9449,6 +10117,8 @@
                 <a:solidFill>
                   <a:schemeClr val="bg1"/>
                 </a:solidFill>
+                <a:latin typeface="Mapo한아름" panose="02000500000000000000" pitchFamily="2" charset="-127"/>
+                <a:ea typeface="Mapo한아름" panose="02000500000000000000" pitchFamily="2" charset="-127"/>
               </a:rPr>
               <a:t>1.1</a:t>
             </a:r>
@@ -9456,6 +10126,8 @@
               <a:solidFill>
                 <a:schemeClr val="bg1"/>
               </a:solidFill>
+              <a:latin typeface="Mapo한아름" panose="02000500000000000000" pitchFamily="2" charset="-127"/>
+              <a:ea typeface="Mapo한아름" panose="02000500000000000000" pitchFamily="2" charset="-127"/>
             </a:endParaRPr>
           </a:p>
         </p:txBody>
@@ -9547,7 +10219,7 @@
         <p:spPr>
           <a:xfrm>
             <a:off x="875104" y="101916"/>
-            <a:ext cx="3313728" cy="646331"/>
+            <a:ext cx="3366627" cy="646331"/>
           </a:xfrm>
           <a:prstGeom prst="rect">
             <a:avLst/>
@@ -9565,6 +10237,8 @@
                 <a:solidFill>
                   <a:schemeClr val="bg1"/>
                 </a:solidFill>
+                <a:latin typeface="Mapo한아름" panose="02000500000000000000" pitchFamily="2" charset="-127"/>
+                <a:ea typeface="Mapo한아름" panose="02000500000000000000" pitchFamily="2" charset="-127"/>
               </a:rPr>
               <a:t>제목을 입력하세요</a:t>
             </a:r>
@@ -9586,7 +10260,7 @@
         <p:spPr>
           <a:xfrm>
             <a:off x="132080" y="117305"/>
-            <a:ext cx="743024" cy="307777"/>
+            <a:ext cx="808235" cy="307777"/>
           </a:xfrm>
           <a:prstGeom prst="rect">
             <a:avLst/>
@@ -9604,6 +10278,8 @@
                 <a:solidFill>
                   <a:schemeClr val="bg1"/>
                 </a:solidFill>
+                <a:latin typeface="Mapo한아름" panose="02000500000000000000" pitchFamily="2" charset="-127"/>
+                <a:ea typeface="Mapo한아름" panose="02000500000000000000" pitchFamily="2" charset="-127"/>
               </a:rPr>
               <a:t>Part 1, </a:t>
             </a:r>
@@ -9611,6 +10287,8 @@
               <a:solidFill>
                 <a:schemeClr val="bg1"/>
               </a:solidFill>
+              <a:latin typeface="Mapo한아름" panose="02000500000000000000" pitchFamily="2" charset="-127"/>
+              <a:ea typeface="Mapo한아름" panose="02000500000000000000" pitchFamily="2" charset="-127"/>
             </a:endParaRPr>
           </a:p>
         </p:txBody>
@@ -9630,7 +10308,7 @@
         <p:spPr>
           <a:xfrm>
             <a:off x="875104" y="676096"/>
-            <a:ext cx="4607352" cy="261610"/>
+            <a:ext cx="5170005" cy="261610"/>
           </a:xfrm>
           <a:prstGeom prst="rect">
             <a:avLst/>
@@ -9648,7 +10326,8 @@
                 <a:solidFill>
                   <a:schemeClr val="bg1"/>
                 </a:solidFill>
-                <a:latin typeface="Arial Nova Light" panose="020B0304020202020204" pitchFamily="34" charset="0"/>
+                <a:latin typeface="Mapo한아름" panose="02000500000000000000" pitchFamily="2" charset="-127"/>
+                <a:ea typeface="Mapo한아름" panose="02000500000000000000" pitchFamily="2" charset="-127"/>
               </a:rPr>
               <a:t>Lorem Ipsum is simply dummy text of the printing and typesetting industry</a:t>
             </a:r>
@@ -9656,7 +10335,8 @@
               <a:solidFill>
                 <a:schemeClr val="bg1"/>
               </a:solidFill>
-              <a:latin typeface="Arial Nova Light" panose="020B0304020202020204" pitchFamily="34" charset="0"/>
+              <a:latin typeface="Mapo한아름" panose="02000500000000000000" pitchFamily="2" charset="-127"/>
+              <a:ea typeface="Mapo한아름" panose="02000500000000000000" pitchFamily="2" charset="-127"/>
             </a:endParaRPr>
           </a:p>
         </p:txBody>
@@ -9676,7 +10356,7 @@
         <p:spPr>
           <a:xfrm>
             <a:off x="339536" y="1264666"/>
-            <a:ext cx="3018775" cy="461665"/>
+            <a:ext cx="2733441" cy="461665"/>
           </a:xfrm>
           <a:prstGeom prst="rect">
             <a:avLst/>
@@ -9691,24 +10371,28 @@
           <a:p>
             <a:r>
               <a:rPr lang="ko-KR" altLang="en-US" sz="2400" spc="-300" dirty="0">
-                <a:latin typeface="+mn-ea"/>
+                <a:latin typeface="Mapo한아름" panose="02000500000000000000" pitchFamily="2" charset="-127"/>
+                <a:ea typeface="Mapo한아름" panose="02000500000000000000" pitchFamily="2" charset="-127"/>
               </a:rPr>
               <a:t>지금까지 </a:t>
             </a:r>
             <a:r>
               <a:rPr lang="ko-KR" altLang="en-US" sz="2400" spc="-300" dirty="0" err="1">
-                <a:latin typeface="+mn-ea"/>
+                <a:latin typeface="Mapo한아름" panose="02000500000000000000" pitchFamily="2" charset="-127"/>
+                <a:ea typeface="Mapo한아름" panose="02000500000000000000" pitchFamily="2" charset="-127"/>
               </a:rPr>
               <a:t>딥러닝의</a:t>
             </a:r>
             <a:r>
               <a:rPr lang="ko-KR" altLang="en-US" sz="2400" spc="-300" dirty="0">
-                <a:latin typeface="+mn-ea"/>
+                <a:latin typeface="Mapo한아름" panose="02000500000000000000" pitchFamily="2" charset="-127"/>
+                <a:ea typeface="Mapo한아름" panose="02000500000000000000" pitchFamily="2" charset="-127"/>
               </a:rPr>
               <a:t> 성과</a:t>
             </a:r>
             <a:endParaRPr lang="en-US" altLang="ko-KR" sz="2400" spc="-300" dirty="0">
-              <a:latin typeface="+mn-ea"/>
+              <a:latin typeface="Mapo한아름" panose="02000500000000000000" pitchFamily="2" charset="-127"/>
+              <a:ea typeface="Mapo한아름" panose="02000500000000000000" pitchFamily="2" charset="-127"/>
             </a:endParaRPr>
           </a:p>
         </p:txBody>
@@ -9761,7 +10445,10 @@
           <a:lstStyle/>
           <a:p>
             <a:pPr algn="ctr"/>
-            <a:endParaRPr lang="ko-KR" altLang="en-US"/>
+            <a:endParaRPr lang="ko-KR" altLang="en-US">
+              <a:latin typeface="Mapo한아름" panose="02000500000000000000" pitchFamily="2" charset="-127"/>
+              <a:ea typeface="Mapo한아름" panose="02000500000000000000" pitchFamily="2" charset="-127"/>
+            </a:endParaRPr>
           </a:p>
         </p:txBody>
       </p:sp>
@@ -9807,7 +10494,10 @@
           <a:lstStyle/>
           <a:p>
             <a:pPr algn="ctr"/>
-            <a:endParaRPr lang="ko-KR" altLang="en-US"/>
+            <a:endParaRPr lang="ko-KR" altLang="en-US">
+              <a:latin typeface="Mapo한아름" panose="02000500000000000000" pitchFamily="2" charset="-127"/>
+              <a:ea typeface="Mapo한아름" panose="02000500000000000000" pitchFamily="2" charset="-127"/>
+            </a:endParaRPr>
           </a:p>
         </p:txBody>
       </p:sp>
@@ -9826,7 +10516,7 @@
         <p:spPr>
           <a:xfrm>
             <a:off x="687674" y="215314"/>
-            <a:ext cx="5695790" cy="646331"/>
+            <a:ext cx="5194051" cy="646331"/>
           </a:xfrm>
           <a:prstGeom prst="rect">
             <a:avLst/>
@@ -9844,6 +10534,8 @@
                 <a:solidFill>
                   <a:schemeClr val="bg1"/>
                 </a:solidFill>
+                <a:latin typeface="Mapo한아름" panose="02000500000000000000" pitchFamily="2" charset="-127"/>
+                <a:ea typeface="Mapo한아름" panose="02000500000000000000" pitchFamily="2" charset="-127"/>
               </a:rPr>
               <a:t>인공지능과 머신 러닝</a:t>
             </a:r>
@@ -9852,6 +10544,8 @@
                 <a:solidFill>
                   <a:schemeClr val="bg1"/>
                 </a:solidFill>
+                <a:latin typeface="Mapo한아름" panose="02000500000000000000" pitchFamily="2" charset="-127"/>
+                <a:ea typeface="Mapo한아름" panose="02000500000000000000" pitchFamily="2" charset="-127"/>
               </a:rPr>
               <a:t>, </a:t>
             </a:r>
@@ -9860,6 +10554,8 @@
                 <a:solidFill>
                   <a:schemeClr val="bg1"/>
                 </a:solidFill>
+                <a:latin typeface="Mapo한아름" panose="02000500000000000000" pitchFamily="2" charset="-127"/>
+                <a:ea typeface="Mapo한아름" panose="02000500000000000000" pitchFamily="2" charset="-127"/>
               </a:rPr>
               <a:t>딥러닝</a:t>
             </a:r>
@@ -9881,7 +10577,7 @@
         <p:spPr>
           <a:xfrm>
             <a:off x="132080" y="117305"/>
-            <a:ext cx="423514" cy="307777"/>
+            <a:ext cx="460382" cy="307777"/>
           </a:xfrm>
           <a:prstGeom prst="rect">
             <a:avLst/>
@@ -9899,6 +10595,8 @@
                 <a:solidFill>
                   <a:schemeClr val="bg1"/>
                 </a:solidFill>
+                <a:latin typeface="Mapo한아름" panose="02000500000000000000" pitchFamily="2" charset="-127"/>
+                <a:ea typeface="Mapo한아름" panose="02000500000000000000" pitchFamily="2" charset="-127"/>
               </a:rPr>
               <a:t>1.1</a:t>
             </a:r>
@@ -9906,6 +10604,8 @@
               <a:solidFill>
                 <a:schemeClr val="bg1"/>
               </a:solidFill>
+              <a:latin typeface="Mapo한아름" panose="02000500000000000000" pitchFamily="2" charset="-127"/>
+              <a:ea typeface="Mapo한아름" panose="02000500000000000000" pitchFamily="2" charset="-127"/>
             </a:endParaRPr>
           </a:p>
         </p:txBody>
@@ -9943,23 +10643,38 @@
               <a:buChar char="•"/>
             </a:pPr>
             <a:r>
-              <a:rPr lang="ko-KR" altLang="en-US" dirty="0"/>
+              <a:rPr lang="ko-KR" altLang="en-US" dirty="0">
+                <a:latin typeface="Mapo한아름" panose="02000500000000000000" pitchFamily="2" charset="-127"/>
+                <a:ea typeface="Mapo한아름" panose="02000500000000000000" pitchFamily="2" charset="-127"/>
+              </a:rPr>
               <a:t>사람 수준의 이미지 분류</a:t>
             </a:r>
             <a:r>
-              <a:rPr lang="en-US" altLang="ko-KR" dirty="0"/>
+              <a:rPr lang="en-US" altLang="ko-KR" dirty="0">
+                <a:latin typeface="Mapo한아름" panose="02000500000000000000" pitchFamily="2" charset="-127"/>
+                <a:ea typeface="Mapo한아름" panose="02000500000000000000" pitchFamily="2" charset="-127"/>
+              </a:rPr>
               <a:t>, </a:t>
             </a:r>
             <a:r>
-              <a:rPr lang="ko-KR" altLang="en-US" dirty="0"/>
+              <a:rPr lang="ko-KR" altLang="en-US" dirty="0">
+                <a:latin typeface="Mapo한아름" panose="02000500000000000000" pitchFamily="2" charset="-127"/>
+                <a:ea typeface="Mapo한아름" panose="02000500000000000000" pitchFamily="2" charset="-127"/>
+              </a:rPr>
               <a:t>음성 인식</a:t>
             </a:r>
             <a:r>
-              <a:rPr lang="en-US" altLang="ko-KR" dirty="0"/>
+              <a:rPr lang="en-US" altLang="ko-KR" dirty="0">
+                <a:latin typeface="Mapo한아름" panose="02000500000000000000" pitchFamily="2" charset="-127"/>
+                <a:ea typeface="Mapo한아름" panose="02000500000000000000" pitchFamily="2" charset="-127"/>
+              </a:rPr>
               <a:t>, </a:t>
             </a:r>
             <a:r>
-              <a:rPr lang="ko-KR" altLang="en-US" dirty="0"/>
+              <a:rPr lang="ko-KR" altLang="en-US" dirty="0">
+                <a:latin typeface="Mapo한아름" panose="02000500000000000000" pitchFamily="2" charset="-127"/>
+                <a:ea typeface="Mapo한아름" panose="02000500000000000000" pitchFamily="2" charset="-127"/>
+              </a:rPr>
               <a:t>필기 인식</a:t>
             </a:r>
           </a:p>
@@ -9969,7 +10684,10 @@
               <a:buChar char="•"/>
             </a:pPr>
             <a:r>
-              <a:rPr lang="ko-KR" altLang="en-US" dirty="0"/>
+              <a:rPr lang="ko-KR" altLang="en-US" dirty="0">
+                <a:latin typeface="Mapo한아름" panose="02000500000000000000" pitchFamily="2" charset="-127"/>
+                <a:ea typeface="Mapo한아름" panose="02000500000000000000" pitchFamily="2" charset="-127"/>
+              </a:rPr>
               <a:t>향상된 번역</a:t>
             </a:r>
           </a:p>
@@ -9979,15 +10697,24 @@
               <a:buChar char="•"/>
             </a:pPr>
             <a:r>
-              <a:rPr lang="ko-KR" altLang="en-US" dirty="0"/>
+              <a:rPr lang="ko-KR" altLang="en-US" dirty="0">
+                <a:latin typeface="Mapo한아름" panose="02000500000000000000" pitchFamily="2" charset="-127"/>
+                <a:ea typeface="Mapo한아름" panose="02000500000000000000" pitchFamily="2" charset="-127"/>
+              </a:rPr>
               <a:t>향상된 </a:t>
             </a:r>
             <a:r>
-              <a:rPr lang="en-US" altLang="ko-KR" dirty="0"/>
+              <a:rPr lang="en-US" altLang="ko-KR" dirty="0">
+                <a:latin typeface="Mapo한아름" panose="02000500000000000000" pitchFamily="2" charset="-127"/>
+                <a:ea typeface="Mapo한아름" panose="02000500000000000000" pitchFamily="2" charset="-127"/>
+              </a:rPr>
               <a:t>TTS </a:t>
             </a:r>
             <a:r>
-              <a:rPr lang="ko-KR" altLang="en-US" dirty="0"/>
+              <a:rPr lang="ko-KR" altLang="en-US" dirty="0">
+                <a:latin typeface="Mapo한아름" panose="02000500000000000000" pitchFamily="2" charset="-127"/>
+                <a:ea typeface="Mapo한아름" panose="02000500000000000000" pitchFamily="2" charset="-127"/>
+              </a:rPr>
               <a:t>변환</a:t>
             </a:r>
           </a:p>
@@ -9997,7 +10724,10 @@
               <a:buChar char="•"/>
             </a:pPr>
             <a:r>
-              <a:rPr lang="ko-KR" altLang="en-US" dirty="0"/>
+              <a:rPr lang="ko-KR" altLang="en-US" dirty="0">
+                <a:latin typeface="Mapo한아름" panose="02000500000000000000" pitchFamily="2" charset="-127"/>
+                <a:ea typeface="Mapo한아름" panose="02000500000000000000" pitchFamily="2" charset="-127"/>
+              </a:rPr>
               <a:t>디지털 비서</a:t>
             </a:r>
           </a:p>
@@ -10007,7 +10737,10 @@
               <a:buChar char="•"/>
             </a:pPr>
             <a:r>
-              <a:rPr lang="ko-KR" altLang="en-US" dirty="0"/>
+              <a:rPr lang="ko-KR" altLang="en-US" dirty="0">
+                <a:latin typeface="Mapo한아름" panose="02000500000000000000" pitchFamily="2" charset="-127"/>
+                <a:ea typeface="Mapo한아름" panose="02000500000000000000" pitchFamily="2" charset="-127"/>
+              </a:rPr>
               <a:t>자율 주행 능력</a:t>
             </a:r>
           </a:p>
@@ -10017,14 +10750,23 @@
               <a:buChar char="•"/>
             </a:pPr>
             <a:r>
-              <a:rPr lang="ko-KR" altLang="en-US" dirty="0"/>
+              <a:rPr lang="ko-KR" altLang="en-US" dirty="0">
+                <a:latin typeface="Mapo한아름" panose="02000500000000000000" pitchFamily="2" charset="-127"/>
+                <a:ea typeface="Mapo한아름" panose="02000500000000000000" pitchFamily="2" charset="-127"/>
+              </a:rPr>
               <a:t>광고 </a:t>
             </a:r>
             <a:r>
-              <a:rPr lang="ko-KR" altLang="en-US" dirty="0" err="1"/>
+              <a:rPr lang="ko-KR" altLang="en-US" dirty="0" err="1">
+                <a:latin typeface="Mapo한아름" panose="02000500000000000000" pitchFamily="2" charset="-127"/>
+                <a:ea typeface="Mapo한아름" panose="02000500000000000000" pitchFamily="2" charset="-127"/>
+              </a:rPr>
               <a:t>타게팅</a:t>
             </a:r>
-            <a:endParaRPr lang="ko-KR" altLang="en-US" dirty="0"/>
+            <a:endParaRPr lang="ko-KR" altLang="en-US" dirty="0">
+              <a:latin typeface="Mapo한아름" panose="02000500000000000000" pitchFamily="2" charset="-127"/>
+              <a:ea typeface="Mapo한아름" panose="02000500000000000000" pitchFamily="2" charset="-127"/>
+            </a:endParaRPr>
           </a:p>
           <a:p>
             <a:pPr marL="285750" indent="-285750">
@@ -10032,7 +10774,10 @@
               <a:buChar char="•"/>
             </a:pPr>
             <a:r>
-              <a:rPr lang="ko-KR" altLang="en-US" dirty="0"/>
+              <a:rPr lang="ko-KR" altLang="en-US" dirty="0">
+                <a:latin typeface="Mapo한아름" panose="02000500000000000000" pitchFamily="2" charset="-127"/>
+                <a:ea typeface="Mapo한아름" panose="02000500000000000000" pitchFamily="2" charset="-127"/>
+              </a:rPr>
               <a:t>웹 엔진 결과</a:t>
             </a:r>
           </a:p>
@@ -10042,7 +10787,10 @@
               <a:buChar char="•"/>
             </a:pPr>
             <a:r>
-              <a:rPr lang="ko-KR" altLang="en-US" dirty="0"/>
+              <a:rPr lang="ko-KR" altLang="en-US" dirty="0">
+                <a:latin typeface="Mapo한아름" panose="02000500000000000000" pitchFamily="2" charset="-127"/>
+                <a:ea typeface="Mapo한아름" panose="02000500000000000000" pitchFamily="2" charset="-127"/>
+              </a:rPr>
               <a:t>자연어 질의 대답 능력</a:t>
             </a:r>
           </a:p>
@@ -10052,7 +10800,10 @@
               <a:buChar char="•"/>
             </a:pPr>
             <a:r>
-              <a:rPr lang="ko-KR" altLang="en-US" dirty="0"/>
+              <a:rPr lang="ko-KR" altLang="en-US" dirty="0">
+                <a:latin typeface="Mapo한아름" panose="02000500000000000000" pitchFamily="2" charset="-127"/>
+                <a:ea typeface="Mapo한아름" panose="02000500000000000000" pitchFamily="2" charset="-127"/>
+              </a:rPr>
               <a:t>바둑</a:t>
             </a:r>
           </a:p>
@@ -10115,7 +10866,7 @@
         <p:spPr>
           <a:xfrm>
             <a:off x="875104" y="101916"/>
-            <a:ext cx="3313728" cy="646331"/>
+            <a:ext cx="3366627" cy="646331"/>
           </a:xfrm>
           <a:prstGeom prst="rect">
             <a:avLst/>
@@ -10133,6 +10884,8 @@
                 <a:solidFill>
                   <a:schemeClr val="bg1"/>
                 </a:solidFill>
+                <a:latin typeface="Mapo한아름" panose="02000500000000000000" pitchFamily="2" charset="-127"/>
+                <a:ea typeface="Mapo한아름" panose="02000500000000000000" pitchFamily="2" charset="-127"/>
               </a:rPr>
               <a:t>제목을 입력하세요</a:t>
             </a:r>
@@ -10154,7 +10907,7 @@
         <p:spPr>
           <a:xfrm>
             <a:off x="132080" y="117305"/>
-            <a:ext cx="743024" cy="307777"/>
+            <a:ext cx="808235" cy="307777"/>
           </a:xfrm>
           <a:prstGeom prst="rect">
             <a:avLst/>
@@ -10172,6 +10925,8 @@
                 <a:solidFill>
                   <a:schemeClr val="bg1"/>
                 </a:solidFill>
+                <a:latin typeface="Mapo한아름" panose="02000500000000000000" pitchFamily="2" charset="-127"/>
+                <a:ea typeface="Mapo한아름" panose="02000500000000000000" pitchFamily="2" charset="-127"/>
               </a:rPr>
               <a:t>Part 1, </a:t>
             </a:r>
@@ -10179,6 +10934,8 @@
               <a:solidFill>
                 <a:schemeClr val="bg1"/>
               </a:solidFill>
+              <a:latin typeface="Mapo한아름" panose="02000500000000000000" pitchFamily="2" charset="-127"/>
+              <a:ea typeface="Mapo한아름" panose="02000500000000000000" pitchFamily="2" charset="-127"/>
             </a:endParaRPr>
           </a:p>
         </p:txBody>
@@ -10198,7 +10955,7 @@
         <p:spPr>
           <a:xfrm>
             <a:off x="875104" y="676096"/>
-            <a:ext cx="4607352" cy="261610"/>
+            <a:ext cx="5170005" cy="261610"/>
           </a:xfrm>
           <a:prstGeom prst="rect">
             <a:avLst/>
@@ -10216,7 +10973,8 @@
                 <a:solidFill>
                   <a:schemeClr val="bg1"/>
                 </a:solidFill>
-                <a:latin typeface="Arial Nova Light" panose="020B0304020202020204" pitchFamily="34" charset="0"/>
+                <a:latin typeface="Mapo한아름" panose="02000500000000000000" pitchFamily="2" charset="-127"/>
+                <a:ea typeface="Mapo한아름" panose="02000500000000000000" pitchFamily="2" charset="-127"/>
               </a:rPr>
               <a:t>Lorem Ipsum is simply dummy text of the printing and typesetting industry</a:t>
             </a:r>
@@ -10224,7 +10982,8 @@
               <a:solidFill>
                 <a:schemeClr val="bg1"/>
               </a:solidFill>
-              <a:latin typeface="Arial Nova Light" panose="020B0304020202020204" pitchFamily="34" charset="0"/>
+              <a:latin typeface="Mapo한아름" panose="02000500000000000000" pitchFamily="2" charset="-127"/>
+              <a:ea typeface="Mapo한아름" panose="02000500000000000000" pitchFamily="2" charset="-127"/>
             </a:endParaRPr>
           </a:p>
         </p:txBody>
@@ -10244,7 +11003,7 @@
         <p:spPr>
           <a:xfrm>
             <a:off x="339536" y="1264666"/>
-            <a:ext cx="7984878" cy="461665"/>
+            <a:ext cx="7383753" cy="461665"/>
           </a:xfrm>
           <a:prstGeom prst="rect">
             <a:avLst/>
@@ -10259,36 +11018,42 @@
           <a:p>
             <a:r>
               <a:rPr lang="ko-KR" altLang="en-US" sz="2400" spc="-300" dirty="0">
-                <a:latin typeface="+mn-ea"/>
+                <a:latin typeface="Mapo한아름" panose="02000500000000000000" pitchFamily="2" charset="-127"/>
+                <a:ea typeface="Mapo한아름" panose="02000500000000000000" pitchFamily="2" charset="-127"/>
               </a:rPr>
               <a:t>단기간의 과대 선정을 믿지 말자</a:t>
             </a:r>
             <a:r>
               <a:rPr lang="en-US" altLang="ko-KR" sz="2400" spc="-300" dirty="0">
-                <a:latin typeface="+mn-ea"/>
+                <a:latin typeface="Mapo한아름" panose="02000500000000000000" pitchFamily="2" charset="-127"/>
+                <a:ea typeface="Mapo한아름" panose="02000500000000000000" pitchFamily="2" charset="-127"/>
               </a:rPr>
               <a:t>	</a:t>
             </a:r>
             <a:r>
               <a:rPr lang="ko-KR" altLang="en-US" sz="2400" spc="-300" dirty="0">
-                <a:latin typeface="+mn-ea"/>
+                <a:latin typeface="Mapo한아름" panose="02000500000000000000" pitchFamily="2" charset="-127"/>
+                <a:ea typeface="Mapo한아름" panose="02000500000000000000" pitchFamily="2" charset="-127"/>
               </a:rPr>
               <a:t> </a:t>
             </a:r>
             <a:r>
               <a:rPr lang="en-US" altLang="ko-KR" sz="2400" spc="-300" dirty="0">
-                <a:latin typeface="+mn-ea"/>
-              </a:rPr>
-              <a:t>	        AI</a:t>
+                <a:latin typeface="Mapo한아름" panose="02000500000000000000" pitchFamily="2" charset="-127"/>
+                <a:ea typeface="Mapo한아름" panose="02000500000000000000" pitchFamily="2" charset="-127"/>
+              </a:rPr>
+              <a:t>	       	 A I </a:t>
             </a:r>
             <a:r>
               <a:rPr lang="ko-KR" altLang="en-US" sz="2400" spc="-300" dirty="0">
-                <a:latin typeface="+mn-ea"/>
+                <a:latin typeface="Mapo한아름" panose="02000500000000000000" pitchFamily="2" charset="-127"/>
+                <a:ea typeface="Mapo한아름" panose="02000500000000000000" pitchFamily="2" charset="-127"/>
               </a:rPr>
               <a:t>에 대한 전망</a:t>
             </a:r>
             <a:endParaRPr lang="en-US" altLang="ko-KR" sz="2400" spc="-300" dirty="0">
-              <a:latin typeface="+mn-ea"/>
+              <a:latin typeface="Mapo한아름" panose="02000500000000000000" pitchFamily="2" charset="-127"/>
+              <a:ea typeface="Mapo한아름" panose="02000500000000000000" pitchFamily="2" charset="-127"/>
             </a:endParaRPr>
           </a:p>
         </p:txBody>
@@ -10341,7 +11106,10 @@
           <a:lstStyle/>
           <a:p>
             <a:pPr algn="ctr"/>
-            <a:endParaRPr lang="ko-KR" altLang="en-US"/>
+            <a:endParaRPr lang="ko-KR" altLang="en-US">
+              <a:latin typeface="Mapo한아름" panose="02000500000000000000" pitchFamily="2" charset="-127"/>
+              <a:ea typeface="Mapo한아름" panose="02000500000000000000" pitchFamily="2" charset="-127"/>
+            </a:endParaRPr>
           </a:p>
         </p:txBody>
       </p:sp>
@@ -10387,7 +11155,10 @@
           <a:lstStyle/>
           <a:p>
             <a:pPr algn="ctr"/>
-            <a:endParaRPr lang="ko-KR" altLang="en-US"/>
+            <a:endParaRPr lang="ko-KR" altLang="en-US">
+              <a:latin typeface="Mapo한아름" panose="02000500000000000000" pitchFamily="2" charset="-127"/>
+              <a:ea typeface="Mapo한아름" panose="02000500000000000000" pitchFamily="2" charset="-127"/>
+            </a:endParaRPr>
           </a:p>
         </p:txBody>
       </p:sp>
@@ -10406,7 +11177,7 @@
         <p:spPr>
           <a:xfrm>
             <a:off x="687674" y="215314"/>
-            <a:ext cx="5695790" cy="646331"/>
+            <a:ext cx="5194051" cy="646331"/>
           </a:xfrm>
           <a:prstGeom prst="rect">
             <a:avLst/>
@@ -10424,6 +11195,8 @@
                 <a:solidFill>
                   <a:schemeClr val="bg1"/>
                 </a:solidFill>
+                <a:latin typeface="Mapo한아름" panose="02000500000000000000" pitchFamily="2" charset="-127"/>
+                <a:ea typeface="Mapo한아름" panose="02000500000000000000" pitchFamily="2" charset="-127"/>
               </a:rPr>
               <a:t>인공지능과 머신 러닝</a:t>
             </a:r>
@@ -10432,6 +11205,8 @@
                 <a:solidFill>
                   <a:schemeClr val="bg1"/>
                 </a:solidFill>
+                <a:latin typeface="Mapo한아름" panose="02000500000000000000" pitchFamily="2" charset="-127"/>
+                <a:ea typeface="Mapo한아름" panose="02000500000000000000" pitchFamily="2" charset="-127"/>
               </a:rPr>
               <a:t>, </a:t>
             </a:r>
@@ -10440,6 +11215,8 @@
                 <a:solidFill>
                   <a:schemeClr val="bg1"/>
                 </a:solidFill>
+                <a:latin typeface="Mapo한아름" panose="02000500000000000000" pitchFamily="2" charset="-127"/>
+                <a:ea typeface="Mapo한아름" panose="02000500000000000000" pitchFamily="2" charset="-127"/>
               </a:rPr>
               <a:t>딥러닝</a:t>
             </a:r>
@@ -10461,7 +11238,7 @@
         <p:spPr>
           <a:xfrm>
             <a:off x="132080" y="117305"/>
-            <a:ext cx="423514" cy="307777"/>
+            <a:ext cx="460382" cy="307777"/>
           </a:xfrm>
           <a:prstGeom prst="rect">
             <a:avLst/>
@@ -10479,6 +11256,8 @@
                 <a:solidFill>
                   <a:schemeClr val="bg1"/>
                 </a:solidFill>
+                <a:latin typeface="Mapo한아름" panose="02000500000000000000" pitchFamily="2" charset="-127"/>
+                <a:ea typeface="Mapo한아름" panose="02000500000000000000" pitchFamily="2" charset="-127"/>
               </a:rPr>
               <a:t>1.1</a:t>
             </a:r>
@@ -10486,6 +11265,8 @@
               <a:solidFill>
                 <a:schemeClr val="bg1"/>
               </a:solidFill>
+              <a:latin typeface="Mapo한아름" panose="02000500000000000000" pitchFamily="2" charset="-127"/>
+              <a:ea typeface="Mapo한아름" panose="02000500000000000000" pitchFamily="2" charset="-127"/>
             </a:endParaRPr>
           </a:p>
         </p:txBody>
@@ -10523,11 +11304,17 @@
               <a:buChar char="•"/>
             </a:pPr>
             <a:r>
-              <a:rPr lang="ko-KR" altLang="en-US" dirty="0"/>
+              <a:rPr lang="ko-KR" altLang="en-US" dirty="0">
+                <a:latin typeface="Mapo한아름" panose="02000500000000000000" pitchFamily="2" charset="-127"/>
+                <a:ea typeface="Mapo한아름" panose="02000500000000000000" pitchFamily="2" charset="-127"/>
+              </a:rPr>
               <a:t>지나친 기대는 큰 실망을 가져온다</a:t>
             </a:r>
             <a:r>
-              <a:rPr lang="en-US" altLang="ko-KR" dirty="0"/>
+              <a:rPr lang="en-US" altLang="ko-KR" dirty="0">
+                <a:latin typeface="Mapo한아름" panose="02000500000000000000" pitchFamily="2" charset="-127"/>
+                <a:ea typeface="Mapo한아름" panose="02000500000000000000" pitchFamily="2" charset="-127"/>
+              </a:rPr>
               <a:t>.</a:t>
             </a:r>
           </a:p>
@@ -10537,11 +11324,17 @@
               <a:buChar char="•"/>
             </a:pPr>
             <a:r>
-              <a:rPr lang="ko-KR" altLang="en-US" dirty="0"/>
+              <a:rPr lang="ko-KR" altLang="en-US" dirty="0">
+                <a:latin typeface="Mapo한아름" panose="02000500000000000000" pitchFamily="2" charset="-127"/>
+                <a:ea typeface="Mapo한아름" panose="02000500000000000000" pitchFamily="2" charset="-127"/>
+              </a:rPr>
               <a:t>실망은 투자 감소로 이어진다</a:t>
             </a:r>
             <a:r>
-              <a:rPr lang="en-US" altLang="ko-KR" dirty="0"/>
+              <a:rPr lang="en-US" altLang="ko-KR" dirty="0">
+                <a:latin typeface="Mapo한아름" panose="02000500000000000000" pitchFamily="2" charset="-127"/>
+                <a:ea typeface="Mapo한아름" panose="02000500000000000000" pitchFamily="2" charset="-127"/>
+              </a:rPr>
               <a:t>.</a:t>
             </a:r>
           </a:p>
@@ -10551,22 +11344,37 @@
               <a:buChar char="•"/>
             </a:pPr>
             <a:r>
-              <a:rPr lang="ko-KR" altLang="en-US" dirty="0"/>
+              <a:rPr lang="ko-KR" altLang="en-US" dirty="0">
+                <a:latin typeface="Mapo한아름" panose="02000500000000000000" pitchFamily="2" charset="-127"/>
+                <a:ea typeface="Mapo한아름" panose="02000500000000000000" pitchFamily="2" charset="-127"/>
+              </a:rPr>
               <a:t>투자 감소는 </a:t>
             </a:r>
             <a:r>
-              <a:rPr lang="en-US" altLang="ko-KR" dirty="0"/>
+              <a:rPr lang="en-US" altLang="ko-KR" dirty="0">
+                <a:latin typeface="Mapo한아름" panose="02000500000000000000" pitchFamily="2" charset="-127"/>
+                <a:ea typeface="Mapo한아름" panose="02000500000000000000" pitchFamily="2" charset="-127"/>
+              </a:rPr>
               <a:t>AI </a:t>
             </a:r>
             <a:r>
-              <a:rPr lang="ko-KR" altLang="en-US" dirty="0"/>
+              <a:rPr lang="ko-KR" altLang="en-US" dirty="0">
+                <a:latin typeface="Mapo한아름" panose="02000500000000000000" pitchFamily="2" charset="-127"/>
+                <a:ea typeface="Mapo한아름" panose="02000500000000000000" pitchFamily="2" charset="-127"/>
+              </a:rPr>
               <a:t>겨울로 이어진다</a:t>
             </a:r>
             <a:r>
-              <a:rPr lang="en-US" altLang="ko-KR" dirty="0"/>
+              <a:rPr lang="en-US" altLang="ko-KR" dirty="0">
+                <a:latin typeface="Mapo한아름" panose="02000500000000000000" pitchFamily="2" charset="-127"/>
+                <a:ea typeface="Mapo한아름" panose="02000500000000000000" pitchFamily="2" charset="-127"/>
+              </a:rPr>
               <a:t>.</a:t>
             </a:r>
-            <a:endParaRPr lang="ko-KR" altLang="en-US" dirty="0"/>
+            <a:endParaRPr lang="ko-KR" altLang="en-US" dirty="0">
+              <a:latin typeface="Mapo한아름" panose="02000500000000000000" pitchFamily="2" charset="-127"/>
+              <a:ea typeface="Mapo한아름" panose="02000500000000000000" pitchFamily="2" charset="-127"/>
+            </a:endParaRPr>
           </a:p>
         </p:txBody>
       </p:sp>
@@ -10584,7 +11392,7 @@
         </p:nvSpPr>
         <p:spPr>
           <a:xfrm>
-            <a:off x="6101874" y="1259167"/>
+            <a:off x="5773725" y="1256684"/>
             <a:ext cx="108000" cy="468000"/>
           </a:xfrm>
           <a:prstGeom prst="rect">
@@ -10618,7 +11426,10 @@
           <a:lstStyle/>
           <a:p>
             <a:pPr algn="ctr"/>
-            <a:endParaRPr lang="ko-KR" altLang="en-US"/>
+            <a:endParaRPr lang="ko-KR" altLang="en-US">
+              <a:latin typeface="Mapo한아름" panose="02000500000000000000" pitchFamily="2" charset="-127"/>
+              <a:ea typeface="Mapo한아름" panose="02000500000000000000" pitchFamily="2" charset="-127"/>
+            </a:endParaRPr>
           </a:p>
         </p:txBody>
       </p:sp>
@@ -10636,8 +11447,8 @@
         </p:nvSpPr>
         <p:spPr>
           <a:xfrm>
-            <a:off x="6209874" y="2165684"/>
-            <a:ext cx="3743332" cy="646331"/>
+            <a:off x="5925360" y="2052536"/>
+            <a:ext cx="3403496" cy="646331"/>
           </a:xfrm>
           <a:prstGeom prst="rect">
             <a:avLst/>
@@ -10651,22 +11462,37 @@
           <a:lstStyle/>
           <a:p>
             <a:r>
-              <a:rPr lang="ko-KR" altLang="en-US" dirty="0"/>
+              <a:rPr lang="ko-KR" altLang="en-US" dirty="0">
+                <a:latin typeface="Mapo한아름" panose="02000500000000000000" pitchFamily="2" charset="-127"/>
+                <a:ea typeface="Mapo한아름" panose="02000500000000000000" pitchFamily="2" charset="-127"/>
+              </a:rPr>
               <a:t>우리 사회와 일상생활을 구성하는 </a:t>
             </a:r>
-            <a:endParaRPr lang="en-US" altLang="ko-KR" dirty="0"/>
-          </a:p>
-          <a:p>
-            <a:r>
-              <a:rPr lang="ko-KR" altLang="en-US" dirty="0"/>
+            <a:endParaRPr lang="en-US" altLang="ko-KR" dirty="0">
+              <a:latin typeface="Mapo한아름" panose="02000500000000000000" pitchFamily="2" charset="-127"/>
+              <a:ea typeface="Mapo한아름" panose="02000500000000000000" pitchFamily="2" charset="-127"/>
+            </a:endParaRPr>
+          </a:p>
+          <a:p>
+            <a:r>
+              <a:rPr lang="ko-KR" altLang="en-US" dirty="0">
+                <a:latin typeface="Mapo한아름" panose="02000500000000000000" pitchFamily="2" charset="-127"/>
+                <a:ea typeface="Mapo한아름" panose="02000500000000000000" pitchFamily="2" charset="-127"/>
+              </a:rPr>
               <a:t>거의 모든 과정에 </a:t>
             </a:r>
             <a:r>
-              <a:rPr lang="en-US" altLang="ko-KR" dirty="0"/>
+              <a:rPr lang="en-US" altLang="ko-KR" dirty="0">
+                <a:latin typeface="Mapo한아름" panose="02000500000000000000" pitchFamily="2" charset="-127"/>
+                <a:ea typeface="Mapo한아름" panose="02000500000000000000" pitchFamily="2" charset="-127"/>
+              </a:rPr>
               <a:t>AI</a:t>
             </a:r>
             <a:r>
-              <a:rPr lang="ko-KR" altLang="en-US" dirty="0"/>
+              <a:rPr lang="ko-KR" altLang="en-US" dirty="0">
+                <a:latin typeface="Mapo한아름" panose="02000500000000000000" pitchFamily="2" charset="-127"/>
+                <a:ea typeface="Mapo한아름" panose="02000500000000000000" pitchFamily="2" charset="-127"/>
+              </a:rPr>
               <a:t>가 적용될 것</a:t>
             </a:r>
           </a:p>
